--- a/A Nation’s Happiness.pptx
+++ b/A Nation’s Happiness.pptx
@@ -18,15 +18,19 @@
     <p:sldId id="268" r:id="rId12"/>
     <p:sldId id="259" r:id="rId13"/>
     <p:sldId id="260" r:id="rId14"/>
-    <p:sldId id="269" r:id="rId15"/>
-    <p:sldId id="270" r:id="rId16"/>
-    <p:sldId id="271" r:id="rId17"/>
-    <p:sldId id="272" r:id="rId18"/>
-    <p:sldId id="273" r:id="rId19"/>
-    <p:sldId id="274" r:id="rId20"/>
-    <p:sldId id="275" r:id="rId21"/>
-    <p:sldId id="276" r:id="rId22"/>
-    <p:sldId id="278" r:id="rId23"/>
+    <p:sldId id="282" r:id="rId15"/>
+    <p:sldId id="269" r:id="rId16"/>
+    <p:sldId id="270" r:id="rId17"/>
+    <p:sldId id="281" r:id="rId18"/>
+    <p:sldId id="271" r:id="rId19"/>
+    <p:sldId id="283" r:id="rId20"/>
+    <p:sldId id="273" r:id="rId21"/>
+    <p:sldId id="274" r:id="rId22"/>
+    <p:sldId id="275" r:id="rId23"/>
+    <p:sldId id="276" r:id="rId24"/>
+    <p:sldId id="278" r:id="rId25"/>
+    <p:sldId id="279" r:id="rId26"/>
+    <p:sldId id="280" r:id="rId27"/>
   </p:sldIdLst>
   <p:sldSz cx="12192000" cy="6858000"/>
   <p:notesSz cx="6858000" cy="9144000"/>
@@ -125,6 +129,11 @@
       </a:defRPr>
     </a:lvl9pPr>
   </p:defaultTextStyle>
+  <p:extLst>
+    <p:ext uri="{EFAFB233-063F-42B5-8137-9DF3F51BA10A}">
+      <p15:sldGuideLst xmlns:p15="http://schemas.microsoft.com/office/powerpoint/2012/main"/>
+    </p:ext>
+  </p:extLst>
 </p:presentation>
 </file>
 
@@ -275,7 +284,7 @@
           <a:p>
             <a:fld id="{45B81558-C608-492B-8021-666E2F98B376}" type="datetimeFigureOut">
               <a:rPr lang="en-US" smtClean="0"/>
-              <a:t>9/17/2018</a:t>
+              <a:t>9/18/2018</a:t>
             </a:fld>
             <a:endParaRPr lang="en-US"/>
           </a:p>
@@ -345,13 +354,13 @@
   <p:clrMapOvr>
     <a:masterClrMapping/>
   </p:clrMapOvr>
-  <mc:AlternateContent xmlns:mc="http://schemas.openxmlformats.org/markup-compatibility/2006">
-    <mc:Choice xmlns:p14="http://schemas.microsoft.com/office/powerpoint/2010/main" Requires="p14">
+  <mc:AlternateContent xmlns:mc="http://schemas.openxmlformats.org/markup-compatibility/2006" xmlns:p14="http://schemas.microsoft.com/office/powerpoint/2010/main">
+    <mc:Choice Requires="p14">
       <p:transition spd="med" p14:dur="700">
         <p:fade/>
       </p:transition>
     </mc:Choice>
-    <mc:Fallback>
+    <mc:Fallback xmlns="">
       <p:transition spd="med">
         <p:fade/>
       </p:transition>
@@ -485,7 +494,7 @@
           <a:p>
             <a:fld id="{45B81558-C608-492B-8021-666E2F98B376}" type="datetimeFigureOut">
               <a:rPr lang="en-US" smtClean="0"/>
-              <a:t>9/17/2018</a:t>
+              <a:t>9/18/2018</a:t>
             </a:fld>
             <a:endParaRPr lang="en-US"/>
           </a:p>
@@ -555,13 +564,13 @@
   <p:clrMapOvr>
     <a:masterClrMapping/>
   </p:clrMapOvr>
-  <mc:AlternateContent xmlns:mc="http://schemas.openxmlformats.org/markup-compatibility/2006">
-    <mc:Choice xmlns:p14="http://schemas.microsoft.com/office/powerpoint/2010/main" Requires="p14">
+  <mc:AlternateContent xmlns:mc="http://schemas.openxmlformats.org/markup-compatibility/2006" xmlns:p14="http://schemas.microsoft.com/office/powerpoint/2010/main">
+    <mc:Choice Requires="p14">
       <p:transition spd="med" p14:dur="700">
         <p:fade/>
       </p:transition>
     </mc:Choice>
-    <mc:Fallback>
+    <mc:Fallback xmlns="">
       <p:transition spd="med">
         <p:fade/>
       </p:transition>
@@ -705,7 +714,7 @@
           <a:p>
             <a:fld id="{45B81558-C608-492B-8021-666E2F98B376}" type="datetimeFigureOut">
               <a:rPr lang="en-US" smtClean="0"/>
-              <a:t>9/17/2018</a:t>
+              <a:t>9/18/2018</a:t>
             </a:fld>
             <a:endParaRPr lang="en-US"/>
           </a:p>
@@ -775,13 +784,13 @@
   <p:clrMapOvr>
     <a:masterClrMapping/>
   </p:clrMapOvr>
-  <mc:AlternateContent xmlns:mc="http://schemas.openxmlformats.org/markup-compatibility/2006">
-    <mc:Choice xmlns:p14="http://schemas.microsoft.com/office/powerpoint/2010/main" Requires="p14">
+  <mc:AlternateContent xmlns:mc="http://schemas.openxmlformats.org/markup-compatibility/2006" xmlns:p14="http://schemas.microsoft.com/office/powerpoint/2010/main">
+    <mc:Choice Requires="p14">
       <p:transition spd="med" p14:dur="700">
         <p:fade/>
       </p:transition>
     </mc:Choice>
-    <mc:Fallback>
+    <mc:Fallback xmlns="">
       <p:transition spd="med">
         <p:fade/>
       </p:transition>
@@ -915,7 +924,7 @@
           <a:p>
             <a:fld id="{45B81558-C608-492B-8021-666E2F98B376}" type="datetimeFigureOut">
               <a:rPr lang="en-US" smtClean="0"/>
-              <a:t>9/17/2018</a:t>
+              <a:t>9/18/2018</a:t>
             </a:fld>
             <a:endParaRPr lang="en-US"/>
           </a:p>
@@ -985,13 +994,13 @@
   <p:clrMapOvr>
     <a:masterClrMapping/>
   </p:clrMapOvr>
-  <mc:AlternateContent xmlns:mc="http://schemas.openxmlformats.org/markup-compatibility/2006">
-    <mc:Choice xmlns:p14="http://schemas.microsoft.com/office/powerpoint/2010/main" Requires="p14">
+  <mc:AlternateContent xmlns:mc="http://schemas.openxmlformats.org/markup-compatibility/2006" xmlns:p14="http://schemas.microsoft.com/office/powerpoint/2010/main">
+    <mc:Choice Requires="p14">
       <p:transition spd="med" p14:dur="700">
         <p:fade/>
       </p:transition>
     </mc:Choice>
-    <mc:Fallback>
+    <mc:Fallback xmlns="">
       <p:transition spd="med">
         <p:fade/>
       </p:transition>
@@ -1202,7 +1211,7 @@
           <a:p>
             <a:fld id="{45B81558-C608-492B-8021-666E2F98B376}" type="datetimeFigureOut">
               <a:rPr lang="en-US" smtClean="0"/>
-              <a:t>9/17/2018</a:t>
+              <a:t>9/18/2018</a:t>
             </a:fld>
             <a:endParaRPr lang="en-US"/>
           </a:p>
@@ -1272,13 +1281,13 @@
   <p:clrMapOvr>
     <a:masterClrMapping/>
   </p:clrMapOvr>
-  <mc:AlternateContent xmlns:mc="http://schemas.openxmlformats.org/markup-compatibility/2006">
-    <mc:Choice xmlns:p14="http://schemas.microsoft.com/office/powerpoint/2010/main" Requires="p14">
+  <mc:AlternateContent xmlns:mc="http://schemas.openxmlformats.org/markup-compatibility/2006" xmlns:p14="http://schemas.microsoft.com/office/powerpoint/2010/main">
+    <mc:Choice Requires="p14">
       <p:transition spd="med" p14:dur="700">
         <p:fade/>
       </p:transition>
     </mc:Choice>
-    <mc:Fallback>
+    <mc:Fallback xmlns="">
       <p:transition spd="med">
         <p:fade/>
       </p:transition>
@@ -1479,7 +1488,7 @@
           <a:p>
             <a:fld id="{45B81558-C608-492B-8021-666E2F98B376}" type="datetimeFigureOut">
               <a:rPr lang="en-US" smtClean="0"/>
-              <a:t>9/17/2018</a:t>
+              <a:t>9/18/2018</a:t>
             </a:fld>
             <a:endParaRPr lang="en-US"/>
           </a:p>
@@ -1549,13 +1558,13 @@
   <p:clrMapOvr>
     <a:masterClrMapping/>
   </p:clrMapOvr>
-  <mc:AlternateContent xmlns:mc="http://schemas.openxmlformats.org/markup-compatibility/2006">
-    <mc:Choice xmlns:p14="http://schemas.microsoft.com/office/powerpoint/2010/main" Requires="p14">
+  <mc:AlternateContent xmlns:mc="http://schemas.openxmlformats.org/markup-compatibility/2006" xmlns:p14="http://schemas.microsoft.com/office/powerpoint/2010/main">
+    <mc:Choice Requires="p14">
       <p:transition spd="med" p14:dur="700">
         <p:fade/>
       </p:transition>
     </mc:Choice>
-    <mc:Fallback>
+    <mc:Fallback xmlns="">
       <p:transition spd="med">
         <p:fade/>
       </p:transition>
@@ -1903,7 +1912,7 @@
           <a:p>
             <a:fld id="{45B81558-C608-492B-8021-666E2F98B376}" type="datetimeFigureOut">
               <a:rPr lang="en-US" smtClean="0"/>
-              <a:t>9/17/2018</a:t>
+              <a:t>9/18/2018</a:t>
             </a:fld>
             <a:endParaRPr lang="en-US"/>
           </a:p>
@@ -1973,13 +1982,13 @@
   <p:clrMapOvr>
     <a:masterClrMapping/>
   </p:clrMapOvr>
-  <mc:AlternateContent xmlns:mc="http://schemas.openxmlformats.org/markup-compatibility/2006">
-    <mc:Choice xmlns:p14="http://schemas.microsoft.com/office/powerpoint/2010/main" Requires="p14">
+  <mc:AlternateContent xmlns:mc="http://schemas.openxmlformats.org/markup-compatibility/2006" xmlns:p14="http://schemas.microsoft.com/office/powerpoint/2010/main">
+    <mc:Choice Requires="p14">
       <p:transition spd="med" p14:dur="700">
         <p:fade/>
       </p:transition>
     </mc:Choice>
-    <mc:Fallback>
+    <mc:Fallback xmlns="">
       <p:transition spd="med">
         <p:fade/>
       </p:transition>
@@ -2056,7 +2065,7 @@
           <a:p>
             <a:fld id="{45B81558-C608-492B-8021-666E2F98B376}" type="datetimeFigureOut">
               <a:rPr lang="en-US" smtClean="0"/>
-              <a:t>9/17/2018</a:t>
+              <a:t>9/18/2018</a:t>
             </a:fld>
             <a:endParaRPr lang="en-US"/>
           </a:p>
@@ -2126,13 +2135,13 @@
   <p:clrMapOvr>
     <a:masterClrMapping/>
   </p:clrMapOvr>
-  <mc:AlternateContent xmlns:mc="http://schemas.openxmlformats.org/markup-compatibility/2006">
-    <mc:Choice xmlns:p14="http://schemas.microsoft.com/office/powerpoint/2010/main" Requires="p14">
+  <mc:AlternateContent xmlns:mc="http://schemas.openxmlformats.org/markup-compatibility/2006" xmlns:p14="http://schemas.microsoft.com/office/powerpoint/2010/main">
+    <mc:Choice Requires="p14">
       <p:transition spd="med" p14:dur="700">
         <p:fade/>
       </p:transition>
     </mc:Choice>
-    <mc:Fallback>
+    <mc:Fallback xmlns="">
       <p:transition spd="med">
         <p:fade/>
       </p:transition>
@@ -2181,7 +2190,7 @@
           <a:p>
             <a:fld id="{45B81558-C608-492B-8021-666E2F98B376}" type="datetimeFigureOut">
               <a:rPr lang="en-US" smtClean="0"/>
-              <a:t>9/17/2018</a:t>
+              <a:t>9/18/2018</a:t>
             </a:fld>
             <a:endParaRPr lang="en-US"/>
           </a:p>
@@ -2251,13 +2260,13 @@
   <p:clrMapOvr>
     <a:masterClrMapping/>
   </p:clrMapOvr>
-  <mc:AlternateContent xmlns:mc="http://schemas.openxmlformats.org/markup-compatibility/2006">
-    <mc:Choice xmlns:p14="http://schemas.microsoft.com/office/powerpoint/2010/main" Requires="p14">
+  <mc:AlternateContent xmlns:mc="http://schemas.openxmlformats.org/markup-compatibility/2006" xmlns:p14="http://schemas.microsoft.com/office/powerpoint/2010/main">
+    <mc:Choice Requires="p14">
       <p:transition spd="med" p14:dur="700">
         <p:fade/>
       </p:transition>
     </mc:Choice>
-    <mc:Fallback>
+    <mc:Fallback xmlns="">
       <p:transition spd="med">
         <p:fade/>
       </p:transition>
@@ -2504,7 +2513,7 @@
           <a:p>
             <a:fld id="{45B81558-C608-492B-8021-666E2F98B376}" type="datetimeFigureOut">
               <a:rPr lang="en-US" smtClean="0"/>
-              <a:t>9/17/2018</a:t>
+              <a:t>9/18/2018</a:t>
             </a:fld>
             <a:endParaRPr lang="en-US"/>
           </a:p>
@@ -2574,13 +2583,13 @@
   <p:clrMapOvr>
     <a:masterClrMapping/>
   </p:clrMapOvr>
-  <mc:AlternateContent xmlns:mc="http://schemas.openxmlformats.org/markup-compatibility/2006">
-    <mc:Choice xmlns:p14="http://schemas.microsoft.com/office/powerpoint/2010/main" Requires="p14">
+  <mc:AlternateContent xmlns:mc="http://schemas.openxmlformats.org/markup-compatibility/2006" xmlns:p14="http://schemas.microsoft.com/office/powerpoint/2010/main">
+    <mc:Choice Requires="p14">
       <p:transition spd="med" p14:dur="700">
         <p:fade/>
       </p:transition>
     </mc:Choice>
-    <mc:Fallback>
+    <mc:Fallback xmlns="">
       <p:transition spd="med">
         <p:fade/>
       </p:transition>
@@ -2804,7 +2813,7 @@
           <a:p>
             <a:fld id="{45B81558-C608-492B-8021-666E2F98B376}" type="datetimeFigureOut">
               <a:rPr lang="en-US" smtClean="0"/>
-              <a:t>9/17/2018</a:t>
+              <a:t>9/18/2018</a:t>
             </a:fld>
             <a:endParaRPr lang="en-US"/>
           </a:p>
@@ -2874,13 +2883,13 @@
   <p:clrMapOvr>
     <a:masterClrMapping/>
   </p:clrMapOvr>
-  <mc:AlternateContent xmlns:mc="http://schemas.openxmlformats.org/markup-compatibility/2006">
-    <mc:Choice xmlns:p14="http://schemas.microsoft.com/office/powerpoint/2010/main" Requires="p14">
+  <mc:AlternateContent xmlns:mc="http://schemas.openxmlformats.org/markup-compatibility/2006" xmlns:p14="http://schemas.microsoft.com/office/powerpoint/2010/main">
+    <mc:Choice Requires="p14">
       <p:transition spd="med" p14:dur="700">
         <p:fade/>
       </p:transition>
     </mc:Choice>
-    <mc:Fallback>
+    <mc:Fallback xmlns="">
       <p:transition spd="med">
         <p:fade/>
       </p:transition>
@@ -3077,7 +3086,7 @@
           <a:p>
             <a:fld id="{45B81558-C608-492B-8021-666E2F98B376}" type="datetimeFigureOut">
               <a:rPr lang="en-US" smtClean="0"/>
-              <a:t>9/17/2018</a:t>
+              <a:t>9/18/2018</a:t>
             </a:fld>
             <a:endParaRPr lang="en-US"/>
           </a:p>
@@ -3194,13 +3203,13 @@
     <p:sldLayoutId id="2147483658" r:id="rId10"/>
     <p:sldLayoutId id="2147483659" r:id="rId11"/>
   </p:sldLayoutIdLst>
-  <mc:AlternateContent xmlns:mc="http://schemas.openxmlformats.org/markup-compatibility/2006">
-    <mc:Choice xmlns:p14="http://schemas.microsoft.com/office/powerpoint/2010/main" Requires="p14">
+  <mc:AlternateContent xmlns:mc="http://schemas.openxmlformats.org/markup-compatibility/2006" xmlns:p14="http://schemas.microsoft.com/office/powerpoint/2010/main">
+    <mc:Choice Requires="p14">
       <p:transition spd="med" p14:dur="700">
         <p:fade/>
       </p:transition>
     </mc:Choice>
-    <mc:Fallback>
+    <mc:Fallback xmlns="">
       <p:transition spd="med">
         <p:fade/>
       </p:transition>
@@ -3636,13 +3645,13 @@
   <p:clrMapOvr>
     <a:masterClrMapping/>
   </p:clrMapOvr>
-  <mc:AlternateContent xmlns:mc="http://schemas.openxmlformats.org/markup-compatibility/2006">
-    <mc:Choice xmlns:p14="http://schemas.microsoft.com/office/powerpoint/2010/main" Requires="p14">
+  <mc:AlternateContent xmlns:mc="http://schemas.openxmlformats.org/markup-compatibility/2006" xmlns:p14="http://schemas.microsoft.com/office/powerpoint/2010/main">
+    <mc:Choice Requires="p14">
       <p:transition spd="med" p14:dur="700">
         <p:fade/>
       </p:transition>
     </mc:Choice>
-    <mc:Fallback>
+    <mc:Fallback xmlns="">
       <p:transition spd="med">
         <p:fade/>
       </p:transition>
@@ -4266,6 +4275,25 @@
               <a:t>Data:</a:t>
             </a:r>
           </a:p>
+          <a:p>
+            <a:pPr marL="0" indent="0" algn="ctr">
+              <a:buNone/>
+            </a:pPr>
+            <a:r>
+              <a:rPr lang="en-US" dirty="0">
+                <a:latin typeface="Rockwell Extra Bold" panose="02060903040505020403" pitchFamily="18" charset="0"/>
+              </a:rPr>
+              <a:t>UN World Happiness Report</a:t>
+            </a:r>
+          </a:p>
+          <a:p>
+            <a:pPr marL="0" indent="0" algn="ctr">
+              <a:buNone/>
+            </a:pPr>
+            <a:endParaRPr lang="en-US" dirty="0">
+              <a:latin typeface="Rockwell Extra Bold" panose="02060903040505020403" pitchFamily="18" charset="0"/>
+            </a:endParaRPr>
+          </a:p>
         </p:txBody>
       </p:sp>
     </p:spTree>
@@ -4278,13 +4306,13 @@
   <p:clrMapOvr>
     <a:masterClrMapping/>
   </p:clrMapOvr>
-  <mc:AlternateContent xmlns:mc="http://schemas.openxmlformats.org/markup-compatibility/2006">
-    <mc:Choice xmlns:p14="http://schemas.microsoft.com/office/powerpoint/2010/main" Requires="p14">
+  <mc:AlternateContent xmlns:mc="http://schemas.openxmlformats.org/markup-compatibility/2006" xmlns:p14="http://schemas.microsoft.com/office/powerpoint/2010/main">
+    <mc:Choice Requires="p14">
       <p:transition spd="med" p14:dur="700">
         <p:fade/>
       </p:transition>
     </mc:Choice>
-    <mc:Fallback>
+    <mc:Fallback xmlns="">
       <p:transition spd="med">
         <p:fade/>
       </p:transition>
@@ -4372,6 +4400,109 @@
                                           <p:spTgt spid="8">
                                             <p:txEl>
                                               <p:pRg st="0" end="0"/>
+                                            </p:txEl>
+                                          </p:spTgt>
+                                        </p:tgtEl>
+                                        <p:attrNameLst>
+                                          <p:attrName>ppt_y</p:attrName>
+                                        </p:attrNameLst>
+                                      </p:cBhvr>
+                                      <p:tavLst>
+                                        <p:tav tm="0">
+                                          <p:val>
+                                            <p:strVal val="1+#ppt_h/2"/>
+                                          </p:val>
+                                        </p:tav>
+                                        <p:tav tm="100000">
+                                          <p:val>
+                                            <p:strVal val="#ppt_y"/>
+                                          </p:val>
+                                        </p:tav>
+                                      </p:tavLst>
+                                    </p:anim>
+                                  </p:childTnLst>
+                                </p:cTn>
+                              </p:par>
+                            </p:childTnLst>
+                          </p:cTn>
+                        </p:par>
+                      </p:childTnLst>
+                    </p:cTn>
+                  </p:par>
+                  <p:par>
+                    <p:cTn id="9" fill="hold">
+                      <p:stCondLst>
+                        <p:cond delay="indefinite"/>
+                      </p:stCondLst>
+                      <p:childTnLst>
+                        <p:par>
+                          <p:cTn id="10" fill="hold">
+                            <p:stCondLst>
+                              <p:cond delay="0"/>
+                            </p:stCondLst>
+                            <p:childTnLst>
+                              <p:par>
+                                <p:cTn id="11" presetID="2" presetClass="entr" presetSubtype="4" fill="hold" grpId="0" nodeType="clickEffect">
+                                  <p:stCondLst>
+                                    <p:cond delay="0"/>
+                                  </p:stCondLst>
+                                  <p:childTnLst>
+                                    <p:set>
+                                      <p:cBhvr>
+                                        <p:cTn id="12" dur="1" fill="hold">
+                                          <p:stCondLst>
+                                            <p:cond delay="0"/>
+                                          </p:stCondLst>
+                                        </p:cTn>
+                                        <p:tgtEl>
+                                          <p:spTgt spid="8">
+                                            <p:txEl>
+                                              <p:pRg st="1" end="1"/>
+                                            </p:txEl>
+                                          </p:spTgt>
+                                        </p:tgtEl>
+                                        <p:attrNameLst>
+                                          <p:attrName>style.visibility</p:attrName>
+                                        </p:attrNameLst>
+                                      </p:cBhvr>
+                                      <p:to>
+                                        <p:strVal val="visible"/>
+                                      </p:to>
+                                    </p:set>
+                                    <p:anim calcmode="lin" valueType="num">
+                                      <p:cBhvr additive="base">
+                                        <p:cTn id="13" dur="500" fill="hold"/>
+                                        <p:tgtEl>
+                                          <p:spTgt spid="8">
+                                            <p:txEl>
+                                              <p:pRg st="1" end="1"/>
+                                            </p:txEl>
+                                          </p:spTgt>
+                                        </p:tgtEl>
+                                        <p:attrNameLst>
+                                          <p:attrName>ppt_x</p:attrName>
+                                        </p:attrNameLst>
+                                      </p:cBhvr>
+                                      <p:tavLst>
+                                        <p:tav tm="0">
+                                          <p:val>
+                                            <p:strVal val="#ppt_x"/>
+                                          </p:val>
+                                        </p:tav>
+                                        <p:tav tm="100000">
+                                          <p:val>
+                                            <p:strVal val="#ppt_x"/>
+                                          </p:val>
+                                        </p:tav>
+                                      </p:tavLst>
+                                    </p:anim>
+                                    <p:anim calcmode="lin" valueType="num">
+                                      <p:cBhvr additive="base">
+                                        <p:cTn id="14" dur="500" fill="hold"/>
+                                        <p:tgtEl>
+                                          <p:spTgt spid="8">
+                                            <p:txEl>
+                                              <p:pRg st="1" end="1"/>
                                             </p:txEl>
                                           </p:spTgt>
                                         </p:tgtEl>
@@ -4510,6 +4641,36 @@
           </a:p>
         </p:txBody>
       </p:sp>
+      <p:pic>
+        <p:nvPicPr>
+          <p:cNvPr id="3" name="Picture 2">
+            <a:extLst>
+              <a:ext uri="{FF2B5EF4-FFF2-40B4-BE49-F238E27FC236}">
+                <a16:creationId xmlns:a16="http://schemas.microsoft.com/office/drawing/2014/main" id="{670A01BF-FB7C-45DB-BB2E-69B5EE6E4474}"/>
+              </a:ext>
+            </a:extLst>
+          </p:cNvPr>
+          <p:cNvPicPr>
+            <a:picLocks noChangeAspect="1"/>
+          </p:cNvPicPr>
+          <p:nvPr/>
+        </p:nvPicPr>
+        <p:blipFill>
+          <a:blip r:embed="rId2"/>
+          <a:stretch>
+            <a:fillRect/>
+          </a:stretch>
+        </p:blipFill>
+        <p:spPr>
+          <a:xfrm>
+            <a:off x="1709017" y="2334544"/>
+            <a:ext cx="8773965" cy="1325563"/>
+          </a:xfrm>
+          <a:prstGeom prst="rect">
+            <a:avLst/>
+          </a:prstGeom>
+        </p:spPr>
+      </p:pic>
     </p:spTree>
     <p:extLst>
       <p:ext uri="{BB962C8B-B14F-4D97-AF65-F5344CB8AC3E}">
@@ -4520,13 +4681,13 @@
   <p:clrMapOvr>
     <a:masterClrMapping/>
   </p:clrMapOvr>
-  <mc:AlternateContent xmlns:mc="http://schemas.openxmlformats.org/markup-compatibility/2006">
-    <mc:Choice xmlns:p14="http://schemas.microsoft.com/office/powerpoint/2010/main" Requires="p14">
+  <mc:AlternateContent xmlns:mc="http://schemas.openxmlformats.org/markup-compatibility/2006" xmlns:p14="http://schemas.microsoft.com/office/powerpoint/2010/main">
+    <mc:Choice Requires="p14">
       <p:transition spd="med" p14:dur="700">
         <p:fade/>
       </p:transition>
     </mc:Choice>
-    <mc:Fallback>
+    <mc:Fallback xmlns="">
       <p:transition spd="med">
         <p:fade/>
       </p:transition>
@@ -4749,9 +4910,45 @@
         </p:blipFill>
         <p:spPr>
           <a:xfrm>
-            <a:off x="3352175" y="1972042"/>
+            <a:off x="3352175" y="1298274"/>
             <a:ext cx="5487650" cy="3658433"/>
           </a:xfrm>
+        </p:spPr>
+      </p:pic>
+      <p:pic>
+        <p:nvPicPr>
+          <p:cNvPr id="4" name="Picture 3">
+            <a:extLst>
+              <a:ext uri="{FF2B5EF4-FFF2-40B4-BE49-F238E27FC236}">
+                <a16:creationId xmlns:a16="http://schemas.microsoft.com/office/drawing/2014/main" id="{36C44F16-811B-414D-B487-1A0F31EB3C12}"/>
+              </a:ext>
+            </a:extLst>
+          </p:cNvPr>
+          <p:cNvPicPr>
+            <a:picLocks noChangeAspect="1"/>
+          </p:cNvPicPr>
+          <p:nvPr/>
+        </p:nvPicPr>
+        <p:blipFill>
+          <a:blip r:embed="rId3">
+            <a:extLst>
+              <a:ext uri="{28A0092B-C50C-407E-A947-70E740481C1C}">
+                <a14:useLocalDpi xmlns:a14="http://schemas.microsoft.com/office/drawing/2010/main" val="0"/>
+              </a:ext>
+            </a:extLst>
+          </a:blip>
+          <a:stretch>
+            <a:fillRect/>
+          </a:stretch>
+        </p:blipFill>
+        <p:spPr>
+          <a:xfrm>
+            <a:off x="2437768" y="5021026"/>
+            <a:ext cx="7316463" cy="1737660"/>
+          </a:xfrm>
+          <a:prstGeom prst="rect">
+            <a:avLst/>
+          </a:prstGeom>
         </p:spPr>
       </p:pic>
     </p:spTree>
@@ -4764,13 +4961,13 @@
   <p:clrMapOvr>
     <a:masterClrMapping/>
   </p:clrMapOvr>
-  <mc:AlternateContent xmlns:mc="http://schemas.openxmlformats.org/markup-compatibility/2006">
-    <mc:Choice xmlns:p14="http://schemas.microsoft.com/office/powerpoint/2010/main" Requires="p14">
+  <mc:AlternateContent xmlns:mc="http://schemas.openxmlformats.org/markup-compatibility/2006" xmlns:p14="http://schemas.microsoft.com/office/powerpoint/2010/main">
+    <mc:Choice Requires="p14">
       <p:transition spd="med" p14:dur="700">
         <p:fade/>
       </p:transition>
     </mc:Choice>
-    <mc:Fallback>
+    <mc:Fallback xmlns="">
       <p:transition spd="med">
         <p:fade/>
       </p:transition>
@@ -4828,6 +5025,97 @@
                                         </p:tgtEl>
                                       </p:cBhvr>
                                     </p:animEffect>
+                                  </p:childTnLst>
+                                </p:cTn>
+                              </p:par>
+                            </p:childTnLst>
+                          </p:cTn>
+                        </p:par>
+                      </p:childTnLst>
+                    </p:cTn>
+                  </p:par>
+                  <p:par>
+                    <p:cTn id="8" fill="hold">
+                      <p:stCondLst>
+                        <p:cond delay="indefinite"/>
+                      </p:stCondLst>
+                      <p:childTnLst>
+                        <p:par>
+                          <p:cTn id="9" fill="hold">
+                            <p:stCondLst>
+                              <p:cond delay="0"/>
+                            </p:stCondLst>
+                            <p:childTnLst>
+                              <p:par>
+                                <p:cTn id="10" presetID="2" presetClass="entr" presetSubtype="4" fill="hold" nodeType="clickEffect">
+                                  <p:stCondLst>
+                                    <p:cond delay="0"/>
+                                  </p:stCondLst>
+                                  <p:childTnLst>
+                                    <p:set>
+                                      <p:cBhvr>
+                                        <p:cTn id="11" dur="1" fill="hold">
+                                          <p:stCondLst>
+                                            <p:cond delay="0"/>
+                                          </p:stCondLst>
+                                        </p:cTn>
+                                        <p:tgtEl>
+                                          <p:spTgt spid="4"/>
+                                        </p:tgtEl>
+                                        <p:attrNameLst>
+                                          <p:attrName>style.visibility</p:attrName>
+                                        </p:attrNameLst>
+                                      </p:cBhvr>
+                                      <p:to>
+                                        <p:strVal val="visible"/>
+                                      </p:to>
+                                    </p:set>
+                                    <p:anim calcmode="lin" valueType="num">
+                                      <p:cBhvr additive="base">
+                                        <p:cTn id="12" dur="500" fill="hold"/>
+                                        <p:tgtEl>
+                                          <p:spTgt spid="4"/>
+                                        </p:tgtEl>
+                                        <p:attrNameLst>
+                                          <p:attrName>ppt_x</p:attrName>
+                                        </p:attrNameLst>
+                                      </p:cBhvr>
+                                      <p:tavLst>
+                                        <p:tav tm="0">
+                                          <p:val>
+                                            <p:strVal val="#ppt_x"/>
+                                          </p:val>
+                                        </p:tav>
+                                        <p:tav tm="100000">
+                                          <p:val>
+                                            <p:strVal val="#ppt_x"/>
+                                          </p:val>
+                                        </p:tav>
+                                      </p:tavLst>
+                                    </p:anim>
+                                    <p:anim calcmode="lin" valueType="num">
+                                      <p:cBhvr additive="base">
+                                        <p:cTn id="13" dur="500" fill="hold"/>
+                                        <p:tgtEl>
+                                          <p:spTgt spid="4"/>
+                                        </p:tgtEl>
+                                        <p:attrNameLst>
+                                          <p:attrName>ppt_y</p:attrName>
+                                        </p:attrNameLst>
+                                      </p:cBhvr>
+                                      <p:tavLst>
+                                        <p:tav tm="0">
+                                          <p:val>
+                                            <p:strVal val="1+#ppt_h/2"/>
+                                          </p:val>
+                                        </p:tav>
+                                        <p:tav tm="100000">
+                                          <p:val>
+                                            <p:strVal val="#ppt_y"/>
+                                          </p:val>
+                                        </p:tav>
+                                      </p:tavLst>
+                                    </p:anim>
                                   </p:childTnLst>
                                 </p:cTn>
                               </p:par>
@@ -4955,13 +5243,13 @@
   <p:clrMapOvr>
     <a:masterClrMapping/>
   </p:clrMapOvr>
-  <mc:AlternateContent xmlns:mc="http://schemas.openxmlformats.org/markup-compatibility/2006">
-    <mc:Choice xmlns:p14="http://schemas.microsoft.com/office/powerpoint/2010/main" Requires="p14">
+  <mc:AlternateContent xmlns:mc="http://schemas.openxmlformats.org/markup-compatibility/2006" xmlns:p14="http://schemas.microsoft.com/office/powerpoint/2010/main">
+    <mc:Choice Requires="p14">
       <p:transition spd="med" p14:dur="700">
         <p:fade/>
       </p:transition>
     </mc:Choice>
-    <mc:Fallback>
+    <mc:Fallback xmlns="">
       <p:transition spd="med">
         <p:fade/>
       </p:transition>
@@ -5113,7 +5401,7 @@
           <p:cNvPr id="2" name="Title 1">
             <a:extLst>
               <a:ext uri="{FF2B5EF4-FFF2-40B4-BE49-F238E27FC236}">
-                <a16:creationId xmlns:a16="http://schemas.microsoft.com/office/drawing/2014/main" id="{5E1CFB3D-600C-4CFE-AB6B-764A8E267292}"/>
+                <a16:creationId xmlns:a16="http://schemas.microsoft.com/office/drawing/2014/main" id="{B4B1ACBA-60FB-4965-8D2A-FE0DFAAE043F}"/>
               </a:ext>
             </a:extLst>
           </p:cNvPr>
@@ -5129,6 +5417,234 @@
           <a:bodyPr/>
           <a:lstStyle/>
           <a:p>
+            <a:r>
+              <a:rPr lang="en-US" dirty="0">
+                <a:latin typeface="Rockwell Extra Bold" panose="02060903040505020403" pitchFamily="18" charset="0"/>
+              </a:rPr>
+              <a:t>Conclusions</a:t>
+            </a:r>
+          </a:p>
+        </p:txBody>
+      </p:sp>
+      <p:pic>
+        <p:nvPicPr>
+          <p:cNvPr id="5" name="Content Placeholder 4">
+            <a:extLst>
+              <a:ext uri="{FF2B5EF4-FFF2-40B4-BE49-F238E27FC236}">
+                <a16:creationId xmlns:a16="http://schemas.microsoft.com/office/drawing/2014/main" id="{2A70E0FE-A4FC-49C4-83EE-BF1E717E0193}"/>
+              </a:ext>
+            </a:extLst>
+          </p:cNvPr>
+          <p:cNvPicPr>
+            <a:picLocks noGrp="1" noChangeAspect="1"/>
+          </p:cNvPicPr>
+          <p:nvPr>
+            <p:ph idx="1"/>
+          </p:nvPr>
+        </p:nvPicPr>
+        <p:blipFill>
+          <a:blip r:embed="rId2">
+            <a:extLst>
+              <a:ext uri="{28A0092B-C50C-407E-A947-70E740481C1C}">
+                <a14:useLocalDpi xmlns:a14="http://schemas.microsoft.com/office/drawing/2010/main" val="0"/>
+              </a:ext>
+            </a:extLst>
+          </a:blip>
+          <a:stretch>
+            <a:fillRect/>
+          </a:stretch>
+        </p:blipFill>
+        <p:spPr>
+          <a:xfrm>
+            <a:off x="838199" y="1690688"/>
+            <a:ext cx="10608467" cy="1738312"/>
+          </a:xfrm>
+        </p:spPr>
+      </p:pic>
+    </p:spTree>
+    <p:extLst>
+      <p:ext uri="{BB962C8B-B14F-4D97-AF65-F5344CB8AC3E}">
+        <p14:creationId xmlns:p14="http://schemas.microsoft.com/office/powerpoint/2010/main" val="2464169844"/>
+      </p:ext>
+    </p:extLst>
+  </p:cSld>
+  <p:clrMapOvr>
+    <a:masterClrMapping/>
+  </p:clrMapOvr>
+  <mc:AlternateContent xmlns:mc="http://schemas.openxmlformats.org/markup-compatibility/2006" xmlns:p14="http://schemas.microsoft.com/office/powerpoint/2010/main">
+    <mc:Choice Requires="p14">
+      <p:transition spd="med" p14:dur="700">
+        <p:fade/>
+      </p:transition>
+    </mc:Choice>
+    <mc:Fallback xmlns="">
+      <p:transition spd="med">
+        <p:fade/>
+      </p:transition>
+    </mc:Fallback>
+  </mc:AlternateContent>
+  <p:timing>
+    <p:tnLst>
+      <p:par>
+        <p:cTn id="1" dur="indefinite" restart="never" nodeType="tmRoot">
+          <p:childTnLst>
+            <p:seq concurrent="1" nextAc="seek">
+              <p:cTn id="2" dur="indefinite" nodeType="mainSeq">
+                <p:childTnLst>
+                  <p:par>
+                    <p:cTn id="3" fill="hold">
+                      <p:stCondLst>
+                        <p:cond delay="indefinite"/>
+                      </p:stCondLst>
+                      <p:childTnLst>
+                        <p:par>
+                          <p:cTn id="4" fill="hold">
+                            <p:stCondLst>
+                              <p:cond delay="0"/>
+                            </p:stCondLst>
+                            <p:childTnLst>
+                              <p:par>
+                                <p:cTn id="5" presetID="2" presetClass="entr" presetSubtype="4" fill="hold" nodeType="clickEffect">
+                                  <p:stCondLst>
+                                    <p:cond delay="0"/>
+                                  </p:stCondLst>
+                                  <p:childTnLst>
+                                    <p:set>
+                                      <p:cBhvr>
+                                        <p:cTn id="6" dur="1" fill="hold">
+                                          <p:stCondLst>
+                                            <p:cond delay="0"/>
+                                          </p:stCondLst>
+                                        </p:cTn>
+                                        <p:tgtEl>
+                                          <p:spTgt spid="5"/>
+                                        </p:tgtEl>
+                                        <p:attrNameLst>
+                                          <p:attrName>style.visibility</p:attrName>
+                                        </p:attrNameLst>
+                                      </p:cBhvr>
+                                      <p:to>
+                                        <p:strVal val="visible"/>
+                                      </p:to>
+                                    </p:set>
+                                    <p:anim calcmode="lin" valueType="num">
+                                      <p:cBhvr additive="base">
+                                        <p:cTn id="7" dur="500" fill="hold"/>
+                                        <p:tgtEl>
+                                          <p:spTgt spid="5"/>
+                                        </p:tgtEl>
+                                        <p:attrNameLst>
+                                          <p:attrName>ppt_x</p:attrName>
+                                        </p:attrNameLst>
+                                      </p:cBhvr>
+                                      <p:tavLst>
+                                        <p:tav tm="0">
+                                          <p:val>
+                                            <p:strVal val="#ppt_x"/>
+                                          </p:val>
+                                        </p:tav>
+                                        <p:tav tm="100000">
+                                          <p:val>
+                                            <p:strVal val="#ppt_x"/>
+                                          </p:val>
+                                        </p:tav>
+                                      </p:tavLst>
+                                    </p:anim>
+                                    <p:anim calcmode="lin" valueType="num">
+                                      <p:cBhvr additive="base">
+                                        <p:cTn id="8" dur="500" fill="hold"/>
+                                        <p:tgtEl>
+                                          <p:spTgt spid="5"/>
+                                        </p:tgtEl>
+                                        <p:attrNameLst>
+                                          <p:attrName>ppt_y</p:attrName>
+                                        </p:attrNameLst>
+                                      </p:cBhvr>
+                                      <p:tavLst>
+                                        <p:tav tm="0">
+                                          <p:val>
+                                            <p:strVal val="1+#ppt_h/2"/>
+                                          </p:val>
+                                        </p:tav>
+                                        <p:tav tm="100000">
+                                          <p:val>
+                                            <p:strVal val="#ppt_y"/>
+                                          </p:val>
+                                        </p:tav>
+                                      </p:tavLst>
+                                    </p:anim>
+                                  </p:childTnLst>
+                                </p:cTn>
+                              </p:par>
+                            </p:childTnLst>
+                          </p:cTn>
+                        </p:par>
+                      </p:childTnLst>
+                    </p:cTn>
+                  </p:par>
+                </p:childTnLst>
+              </p:cTn>
+              <p:prevCondLst>
+                <p:cond evt="onPrev" delay="0">
+                  <p:tgtEl>
+                    <p:sldTgt/>
+                  </p:tgtEl>
+                </p:cond>
+              </p:prevCondLst>
+              <p:nextCondLst>
+                <p:cond evt="onNext" delay="0">
+                  <p:tgtEl>
+                    <p:sldTgt/>
+                  </p:tgtEl>
+                </p:cond>
+              </p:nextCondLst>
+            </p:seq>
+          </p:childTnLst>
+        </p:cTn>
+      </p:par>
+    </p:tnLst>
+  </p:timing>
+</p:sld>
+</file>
+
+<file path=ppt/slides/slide15.xml><?xml version="1.0" encoding="utf-8"?>
+<p:sld xmlns:a="http://schemas.openxmlformats.org/drawingml/2006/main" xmlns:r="http://schemas.openxmlformats.org/officeDocument/2006/relationships" xmlns:p="http://schemas.openxmlformats.org/presentationml/2006/main">
+  <p:cSld>
+    <p:spTree>
+      <p:nvGrpSpPr>
+        <p:cNvPr id="1" name=""/>
+        <p:cNvGrpSpPr/>
+        <p:nvPr/>
+      </p:nvGrpSpPr>
+      <p:grpSpPr>
+        <a:xfrm>
+          <a:off x="0" y="0"/>
+          <a:ext cx="0" cy="0"/>
+          <a:chOff x="0" y="0"/>
+          <a:chExt cx="0" cy="0"/>
+        </a:xfrm>
+      </p:grpSpPr>
+      <p:sp>
+        <p:nvSpPr>
+          <p:cNvPr id="2" name="Title 1">
+            <a:extLst>
+              <a:ext uri="{FF2B5EF4-FFF2-40B4-BE49-F238E27FC236}">
+                <a16:creationId xmlns:a16="http://schemas.microsoft.com/office/drawing/2014/main" id="{5E1CFB3D-600C-4CFE-AB6B-764A8E267292}"/>
+              </a:ext>
+            </a:extLst>
+          </p:cNvPr>
+          <p:cNvSpPr>
+            <a:spLocks noGrp="1"/>
+          </p:cNvSpPr>
+          <p:nvPr>
+            <p:ph type="title"/>
+          </p:nvPr>
+        </p:nvSpPr>
+        <p:spPr/>
+        <p:txBody>
+          <a:bodyPr/>
+          <a:lstStyle/>
+          <a:p>
             <a:pPr algn="ctr"/>
             <a:r>
               <a:rPr lang="en-US" dirty="0">
@@ -5170,6 +5686,31 @@
               <a:t>Data:</a:t>
             </a:r>
           </a:p>
+          <a:p>
+            <a:pPr marL="0" indent="0" algn="ctr">
+              <a:buNone/>
+            </a:pPr>
+            <a:r>
+              <a:rPr lang="en-US" dirty="0">
+                <a:latin typeface="Rockwell Extra Bold" panose="02060903040505020403" pitchFamily="18" charset="0"/>
+              </a:rPr>
+              <a:t>World Atlas</a:t>
+            </a:r>
+          </a:p>
+          <a:p>
+            <a:pPr marL="0" indent="0" algn="ctr">
+              <a:buNone/>
+            </a:pPr>
+            <a:r>
+              <a:rPr lang="en-US" dirty="0" err="1">
+                <a:latin typeface="Rockwell Extra Bold" panose="02060903040505020403" pitchFamily="18" charset="0"/>
+              </a:rPr>
+              <a:t>Unesco</a:t>
+            </a:r>
+            <a:endParaRPr lang="en-US" dirty="0">
+              <a:latin typeface="Rockwell Extra Bold" panose="02060903040505020403" pitchFamily="18" charset="0"/>
+            </a:endParaRPr>
+          </a:p>
         </p:txBody>
       </p:sp>
     </p:spTree>
@@ -5182,13 +5723,13 @@
   <p:clrMapOvr>
     <a:masterClrMapping/>
   </p:clrMapOvr>
-  <mc:AlternateContent xmlns:mc="http://schemas.openxmlformats.org/markup-compatibility/2006">
-    <mc:Choice xmlns:p14="http://schemas.microsoft.com/office/powerpoint/2010/main" Requires="p14">
+  <mc:AlternateContent xmlns:mc="http://schemas.openxmlformats.org/markup-compatibility/2006" xmlns:p14="http://schemas.microsoft.com/office/powerpoint/2010/main">
+    <mc:Choice Requires="p14">
       <p:transition spd="med" p14:dur="700">
         <p:fade/>
       </p:transition>
     </mc:Choice>
-    <mc:Fallback>
+    <mc:Fallback xmlns="">
       <p:transition spd="med">
         <p:fade/>
       </p:transition>
@@ -5305,166 +5846,27 @@
                       </p:childTnLst>
                     </p:cTn>
                   </p:par>
-                </p:childTnLst>
-              </p:cTn>
-              <p:prevCondLst>
-                <p:cond evt="onPrev" delay="0">
-                  <p:tgtEl>
-                    <p:sldTgt/>
-                  </p:tgtEl>
-                </p:cond>
-              </p:prevCondLst>
-              <p:nextCondLst>
-                <p:cond evt="onNext" delay="0">
-                  <p:tgtEl>
-                    <p:sldTgt/>
-                  </p:tgtEl>
-                </p:cond>
-              </p:nextCondLst>
-            </p:seq>
-          </p:childTnLst>
-        </p:cTn>
-      </p:par>
-    </p:tnLst>
-    <p:bldLst>
-      <p:bldP spid="8" grpId="0" build="p"/>
-    </p:bldLst>
-  </p:timing>
-</p:sld>
-</file>
-
-<file path=ppt/slides/slide15.xml><?xml version="1.0" encoding="utf-8"?>
-<p:sld xmlns:a="http://schemas.openxmlformats.org/drawingml/2006/main" xmlns:r="http://schemas.openxmlformats.org/officeDocument/2006/relationships" xmlns:p="http://schemas.openxmlformats.org/presentationml/2006/main">
-  <p:cSld>
-    <p:spTree>
-      <p:nvGrpSpPr>
-        <p:cNvPr id="1" name=""/>
-        <p:cNvGrpSpPr/>
-        <p:nvPr/>
-      </p:nvGrpSpPr>
-      <p:grpSpPr>
-        <a:xfrm>
-          <a:off x="0" y="0"/>
-          <a:ext cx="0" cy="0"/>
-          <a:chOff x="0" y="0"/>
-          <a:chExt cx="0" cy="0"/>
-        </a:xfrm>
-      </p:grpSpPr>
-      <p:sp>
-        <p:nvSpPr>
-          <p:cNvPr id="2" name="Title 1">
-            <a:extLst>
-              <a:ext uri="{FF2B5EF4-FFF2-40B4-BE49-F238E27FC236}">
-                <a16:creationId xmlns:a16="http://schemas.microsoft.com/office/drawing/2014/main" id="{5E1CFB3D-600C-4CFE-AB6B-764A8E267292}"/>
-              </a:ext>
-            </a:extLst>
-          </p:cNvPr>
-          <p:cNvSpPr>
-            <a:spLocks noGrp="1"/>
-          </p:cNvSpPr>
-          <p:nvPr>
-            <p:ph type="title"/>
-          </p:nvPr>
-        </p:nvSpPr>
-        <p:spPr/>
-        <p:txBody>
-          <a:bodyPr/>
-          <a:lstStyle/>
-          <a:p>
-            <a:pPr algn="ctr"/>
-            <a:r>
-              <a:rPr lang="en-US" dirty="0">
-                <a:latin typeface="Rockwell Extra Bold" panose="02060903040505020403" pitchFamily="18" charset="0"/>
-              </a:rPr>
-              <a:t>Education</a:t>
-            </a:r>
-          </a:p>
-        </p:txBody>
-      </p:sp>
-      <p:sp>
-        <p:nvSpPr>
-          <p:cNvPr id="8" name="Content Placeholder 7">
-            <a:extLst>
-              <a:ext uri="{FF2B5EF4-FFF2-40B4-BE49-F238E27FC236}">
-                <a16:creationId xmlns:a16="http://schemas.microsoft.com/office/drawing/2014/main" id="{FAF14B3F-D0B7-432F-8666-48C116F1D99F}"/>
-              </a:ext>
-            </a:extLst>
-          </p:cNvPr>
-          <p:cNvSpPr>
-            <a:spLocks noGrp="1"/>
-          </p:cNvSpPr>
-          <p:nvPr>
-            <p:ph idx="1"/>
-          </p:nvPr>
-        </p:nvSpPr>
-        <p:spPr/>
-        <p:txBody>
-          <a:bodyPr/>
-          <a:lstStyle/>
-          <a:p>
-            <a:pPr marL="0" indent="0" algn="ctr">
-              <a:buNone/>
-            </a:pPr>
-            <a:r>
-              <a:rPr lang="en-US" dirty="0">
-                <a:latin typeface="Rockwell Extra Bold" panose="02060903040505020403" pitchFamily="18" charset="0"/>
-              </a:rPr>
-              <a:t>Exploration and Clean up:</a:t>
-            </a:r>
-          </a:p>
-        </p:txBody>
-      </p:sp>
-    </p:spTree>
-    <p:extLst>
-      <p:ext uri="{BB962C8B-B14F-4D97-AF65-F5344CB8AC3E}">
-        <p14:creationId xmlns:p14="http://schemas.microsoft.com/office/powerpoint/2010/main" val="2377547822"/>
-      </p:ext>
-    </p:extLst>
-  </p:cSld>
-  <p:clrMapOvr>
-    <a:masterClrMapping/>
-  </p:clrMapOvr>
-  <mc:AlternateContent xmlns:mc="http://schemas.openxmlformats.org/markup-compatibility/2006">
-    <mc:Choice xmlns:p14="http://schemas.microsoft.com/office/powerpoint/2010/main" Requires="p14">
-      <p:transition spd="med" p14:dur="700">
-        <p:fade/>
-      </p:transition>
-    </mc:Choice>
-    <mc:Fallback>
-      <p:transition spd="med">
-        <p:fade/>
-      </p:transition>
-    </mc:Fallback>
-  </mc:AlternateContent>
-  <p:timing>
-    <p:tnLst>
-      <p:par>
-        <p:cTn id="1" dur="indefinite" restart="never" nodeType="tmRoot">
-          <p:childTnLst>
-            <p:seq concurrent="1" nextAc="seek">
-              <p:cTn id="2" dur="indefinite" nodeType="mainSeq">
-                <p:childTnLst>
                   <p:par>
-                    <p:cTn id="3" fill="hold">
+                    <p:cTn id="9" fill="hold">
                       <p:stCondLst>
                         <p:cond delay="indefinite"/>
                       </p:stCondLst>
                       <p:childTnLst>
                         <p:par>
-                          <p:cTn id="4" fill="hold">
+                          <p:cTn id="10" fill="hold">
                             <p:stCondLst>
                               <p:cond delay="0"/>
                             </p:stCondLst>
                             <p:childTnLst>
                               <p:par>
-                                <p:cTn id="5" presetID="2" presetClass="entr" presetSubtype="4" fill="hold" grpId="0" nodeType="clickEffect">
+                                <p:cTn id="11" presetID="2" presetClass="entr" presetSubtype="4" fill="hold" grpId="0" nodeType="clickEffect">
                                   <p:stCondLst>
                                     <p:cond delay="0"/>
                                   </p:stCondLst>
                                   <p:childTnLst>
                                     <p:set>
                                       <p:cBhvr>
-                                        <p:cTn id="6" dur="1" fill="hold">
+                                        <p:cTn id="12" dur="1" fill="hold">
                                           <p:stCondLst>
                                             <p:cond delay="0"/>
                                           </p:stCondLst>
@@ -5472,7 +5874,7 @@
                                         <p:tgtEl>
                                           <p:spTgt spid="8">
                                             <p:txEl>
-                                              <p:pRg st="0" end="0"/>
+                                              <p:pRg st="1" end="1"/>
                                             </p:txEl>
                                           </p:spTgt>
                                         </p:tgtEl>
@@ -5486,11 +5888,11 @@
                                     </p:set>
                                     <p:anim calcmode="lin" valueType="num">
                                       <p:cBhvr additive="base">
-                                        <p:cTn id="7" dur="500" fill="hold"/>
+                                        <p:cTn id="13" dur="500" fill="hold"/>
                                         <p:tgtEl>
                                           <p:spTgt spid="8">
                                             <p:txEl>
-                                              <p:pRg st="0" end="0"/>
+                                              <p:pRg st="1" end="1"/>
                                             </p:txEl>
                                           </p:spTgt>
                                         </p:tgtEl>
@@ -5513,11 +5915,114 @@
                                     </p:anim>
                                     <p:anim calcmode="lin" valueType="num">
                                       <p:cBhvr additive="base">
-                                        <p:cTn id="8" dur="500" fill="hold"/>
+                                        <p:cTn id="14" dur="500" fill="hold"/>
                                         <p:tgtEl>
                                           <p:spTgt spid="8">
                                             <p:txEl>
-                                              <p:pRg st="0" end="0"/>
+                                              <p:pRg st="1" end="1"/>
+                                            </p:txEl>
+                                          </p:spTgt>
+                                        </p:tgtEl>
+                                        <p:attrNameLst>
+                                          <p:attrName>ppt_y</p:attrName>
+                                        </p:attrNameLst>
+                                      </p:cBhvr>
+                                      <p:tavLst>
+                                        <p:tav tm="0">
+                                          <p:val>
+                                            <p:strVal val="1+#ppt_h/2"/>
+                                          </p:val>
+                                        </p:tav>
+                                        <p:tav tm="100000">
+                                          <p:val>
+                                            <p:strVal val="#ppt_y"/>
+                                          </p:val>
+                                        </p:tav>
+                                      </p:tavLst>
+                                    </p:anim>
+                                  </p:childTnLst>
+                                </p:cTn>
+                              </p:par>
+                            </p:childTnLst>
+                          </p:cTn>
+                        </p:par>
+                      </p:childTnLst>
+                    </p:cTn>
+                  </p:par>
+                  <p:par>
+                    <p:cTn id="15" fill="hold">
+                      <p:stCondLst>
+                        <p:cond delay="indefinite"/>
+                      </p:stCondLst>
+                      <p:childTnLst>
+                        <p:par>
+                          <p:cTn id="16" fill="hold">
+                            <p:stCondLst>
+                              <p:cond delay="0"/>
+                            </p:stCondLst>
+                            <p:childTnLst>
+                              <p:par>
+                                <p:cTn id="17" presetID="2" presetClass="entr" presetSubtype="4" fill="hold" grpId="0" nodeType="clickEffect">
+                                  <p:stCondLst>
+                                    <p:cond delay="0"/>
+                                  </p:stCondLst>
+                                  <p:childTnLst>
+                                    <p:set>
+                                      <p:cBhvr>
+                                        <p:cTn id="18" dur="1" fill="hold">
+                                          <p:stCondLst>
+                                            <p:cond delay="0"/>
+                                          </p:stCondLst>
+                                        </p:cTn>
+                                        <p:tgtEl>
+                                          <p:spTgt spid="8">
+                                            <p:txEl>
+                                              <p:pRg st="2" end="2"/>
+                                            </p:txEl>
+                                          </p:spTgt>
+                                        </p:tgtEl>
+                                        <p:attrNameLst>
+                                          <p:attrName>style.visibility</p:attrName>
+                                        </p:attrNameLst>
+                                      </p:cBhvr>
+                                      <p:to>
+                                        <p:strVal val="visible"/>
+                                      </p:to>
+                                    </p:set>
+                                    <p:anim calcmode="lin" valueType="num">
+                                      <p:cBhvr additive="base">
+                                        <p:cTn id="19" dur="500" fill="hold"/>
+                                        <p:tgtEl>
+                                          <p:spTgt spid="8">
+                                            <p:txEl>
+                                              <p:pRg st="2" end="2"/>
+                                            </p:txEl>
+                                          </p:spTgt>
+                                        </p:tgtEl>
+                                        <p:attrNameLst>
+                                          <p:attrName>ppt_x</p:attrName>
+                                        </p:attrNameLst>
+                                      </p:cBhvr>
+                                      <p:tavLst>
+                                        <p:tav tm="0">
+                                          <p:val>
+                                            <p:strVal val="#ppt_x"/>
+                                          </p:val>
+                                        </p:tav>
+                                        <p:tav tm="100000">
+                                          <p:val>
+                                            <p:strVal val="#ppt_x"/>
+                                          </p:val>
+                                        </p:tav>
+                                      </p:tavLst>
+                                    </p:anim>
+                                    <p:anim calcmode="lin" valueType="num">
+                                      <p:cBhvr additive="base">
+                                        <p:cTn id="20" dur="500" fill="hold"/>
+                                        <p:tgtEl>
+                                          <p:spTgt spid="8">
+                                            <p:txEl>
+                                              <p:pRg st="2" end="2"/>
                                             </p:txEl>
                                           </p:spTgt>
                                         </p:tgtEl>
@@ -5623,58 +6128,151 @@
           </a:p>
         </p:txBody>
       </p:sp>
-      <p:pic>
-        <p:nvPicPr>
-          <p:cNvPr id="7" name="Content Placeholder 6">
+      <p:sp>
+        <p:nvSpPr>
+          <p:cNvPr id="8" name="Content Placeholder 7">
             <a:extLst>
               <a:ext uri="{FF2B5EF4-FFF2-40B4-BE49-F238E27FC236}">
-                <a16:creationId xmlns:a16="http://schemas.microsoft.com/office/drawing/2014/main" id="{0ADB0C73-9D77-4AF1-A800-88494DF07358}"/>
+                <a16:creationId xmlns:a16="http://schemas.microsoft.com/office/drawing/2014/main" id="{FAF14B3F-D0B7-432F-8666-48C116F1D99F}"/>
               </a:ext>
             </a:extLst>
           </p:cNvPr>
-          <p:cNvPicPr>
-            <a:picLocks noGrp="1" noChangeAspect="1"/>
-          </p:cNvPicPr>
+          <p:cNvSpPr>
+            <a:spLocks noGrp="1"/>
+          </p:cNvSpPr>
           <p:nvPr>
             <p:ph idx="1"/>
           </p:nvPr>
+        </p:nvSpPr>
+        <p:spPr>
+          <a:xfrm>
+            <a:off x="838200" y="1254867"/>
+            <a:ext cx="10515600" cy="4351338"/>
+          </a:xfrm>
+        </p:spPr>
+        <p:txBody>
+          <a:bodyPr/>
+          <a:lstStyle/>
+          <a:p>
+            <a:pPr marL="0" indent="0" algn="ctr">
+              <a:buNone/>
+            </a:pPr>
+            <a:r>
+              <a:rPr lang="en-US" dirty="0">
+                <a:latin typeface="Rockwell Extra Bold" panose="02060903040505020403" pitchFamily="18" charset="0"/>
+              </a:rPr>
+              <a:t>Exploration and Clean up:</a:t>
+            </a:r>
+          </a:p>
+        </p:txBody>
+      </p:sp>
+      <p:pic>
+        <p:nvPicPr>
+          <p:cNvPr id="3" name="Picture 2">
+            <a:extLst>
+              <a:ext uri="{FF2B5EF4-FFF2-40B4-BE49-F238E27FC236}">
+                <a16:creationId xmlns:a16="http://schemas.microsoft.com/office/drawing/2014/main" id="{64E9A511-3171-4302-ACBE-D11AA3B04C10}"/>
+              </a:ext>
+            </a:extLst>
+          </p:cNvPr>
+          <p:cNvPicPr>
+            <a:picLocks noChangeAspect="1"/>
+          </p:cNvPicPr>
+          <p:nvPr/>
         </p:nvPicPr>
         <p:blipFill>
-          <a:blip r:embed="rId2">
-            <a:extLst>
-              <a:ext uri="{28A0092B-C50C-407E-A947-70E740481C1C}">
-                <a14:useLocalDpi xmlns:a14="http://schemas.microsoft.com/office/drawing/2010/main" val="0"/>
-              </a:ext>
-            </a:extLst>
-          </a:blip>
+          <a:blip r:embed="rId2"/>
           <a:stretch>
             <a:fillRect/>
           </a:stretch>
         </p:blipFill>
         <p:spPr>
           <a:xfrm>
-            <a:off x="2875721" y="1825625"/>
-            <a:ext cx="6463187" cy="4366628"/>
+            <a:off x="2786062" y="1690688"/>
+            <a:ext cx="6619875" cy="2876550"/>
           </a:xfrm>
+          <a:prstGeom prst="rect">
+            <a:avLst/>
+          </a:prstGeom>
+        </p:spPr>
+      </p:pic>
+      <p:pic>
+        <p:nvPicPr>
+          <p:cNvPr id="5" name="Picture 4">
+            <a:extLst>
+              <a:ext uri="{FF2B5EF4-FFF2-40B4-BE49-F238E27FC236}">
+                <a16:creationId xmlns:a16="http://schemas.microsoft.com/office/drawing/2014/main" id="{194D9081-5247-4C26-B36A-32670DABF2EF}"/>
+              </a:ext>
+            </a:extLst>
+          </p:cNvPr>
+          <p:cNvPicPr>
+            <a:picLocks noChangeAspect="1"/>
+          </p:cNvPicPr>
+          <p:nvPr/>
+        </p:nvPicPr>
+        <p:blipFill>
+          <a:blip r:embed="rId3"/>
+          <a:stretch>
+            <a:fillRect/>
+          </a:stretch>
+        </p:blipFill>
+        <p:spPr>
+          <a:xfrm>
+            <a:off x="2786062" y="4600946"/>
+            <a:ext cx="4772025" cy="323850"/>
+          </a:xfrm>
+          <a:prstGeom prst="rect">
+            <a:avLst/>
+          </a:prstGeom>
+        </p:spPr>
+      </p:pic>
+      <p:pic>
+        <p:nvPicPr>
+          <p:cNvPr id="7" name="Picture 6">
+            <a:extLst>
+              <a:ext uri="{FF2B5EF4-FFF2-40B4-BE49-F238E27FC236}">
+                <a16:creationId xmlns:a16="http://schemas.microsoft.com/office/drawing/2014/main" id="{27A28E7F-739B-42AB-8AFB-81C09FBB696D}"/>
+              </a:ext>
+            </a:extLst>
+          </p:cNvPr>
+          <p:cNvPicPr>
+            <a:picLocks noChangeAspect="1"/>
+          </p:cNvPicPr>
+          <p:nvPr/>
+        </p:nvPicPr>
+        <p:blipFill>
+          <a:blip r:embed="rId4"/>
+          <a:stretch>
+            <a:fillRect/>
+          </a:stretch>
+        </p:blipFill>
+        <p:spPr>
+          <a:xfrm>
+            <a:off x="2724149" y="4958505"/>
+            <a:ext cx="6491038" cy="1899496"/>
+          </a:xfrm>
+          <a:prstGeom prst="rect">
+            <a:avLst/>
+          </a:prstGeom>
         </p:spPr>
       </p:pic>
     </p:spTree>
     <p:extLst>
       <p:ext uri="{BB962C8B-B14F-4D97-AF65-F5344CB8AC3E}">
-        <p14:creationId xmlns:p14="http://schemas.microsoft.com/office/powerpoint/2010/main" val="4123148783"/>
+        <p14:creationId xmlns:p14="http://schemas.microsoft.com/office/powerpoint/2010/main" val="2377547822"/>
       </p:ext>
     </p:extLst>
   </p:cSld>
   <p:clrMapOvr>
     <a:masterClrMapping/>
   </p:clrMapOvr>
-  <mc:AlternateContent xmlns:mc="http://schemas.openxmlformats.org/markup-compatibility/2006">
-    <mc:Choice xmlns:p14="http://schemas.microsoft.com/office/powerpoint/2010/main" Requires="p14">
+  <mc:AlternateContent xmlns:mc="http://schemas.openxmlformats.org/markup-compatibility/2006" xmlns:p14="http://schemas.microsoft.com/office/powerpoint/2010/main">
+    <mc:Choice Requires="p14">
       <p:transition spd="med" p14:dur="700">
         <p:fade/>
       </p:transition>
     </mc:Choice>
-    <mc:Fallback>
+    <mc:Fallback xmlns="">
       <p:transition spd="med">
         <p:fade/>
       </p:transition>
@@ -5714,7 +6312,7 @@
                                           </p:stCondLst>
                                         </p:cTn>
                                         <p:tgtEl>
-                                          <p:spTgt spid="7"/>
+                                          <p:spTgt spid="3"/>
                                         </p:tgtEl>
                                         <p:attrNameLst>
                                           <p:attrName>style.visibility</p:attrName>
@@ -5728,7 +6326,7 @@
                                       <p:cBhvr additive="base">
                                         <p:cTn id="7" dur="500" fill="hold"/>
                                         <p:tgtEl>
-                                          <p:spTgt spid="7"/>
+                                          <p:spTgt spid="3"/>
                                         </p:tgtEl>
                                         <p:attrNameLst>
                                           <p:attrName>ppt_x</p:attrName>
@@ -5751,7 +6349,98 @@
                                       <p:cBhvr additive="base">
                                         <p:cTn id="8" dur="500" fill="hold"/>
                                         <p:tgtEl>
-                                          <p:spTgt spid="7"/>
+                                          <p:spTgt spid="3"/>
+                                        </p:tgtEl>
+                                        <p:attrNameLst>
+                                          <p:attrName>ppt_y</p:attrName>
+                                        </p:attrNameLst>
+                                      </p:cBhvr>
+                                      <p:tavLst>
+                                        <p:tav tm="0">
+                                          <p:val>
+                                            <p:strVal val="1+#ppt_h/2"/>
+                                          </p:val>
+                                        </p:tav>
+                                        <p:tav tm="100000">
+                                          <p:val>
+                                            <p:strVal val="#ppt_y"/>
+                                          </p:val>
+                                        </p:tav>
+                                      </p:tavLst>
+                                    </p:anim>
+                                  </p:childTnLst>
+                                </p:cTn>
+                              </p:par>
+                            </p:childTnLst>
+                          </p:cTn>
+                        </p:par>
+                      </p:childTnLst>
+                    </p:cTn>
+                  </p:par>
+                  <p:par>
+                    <p:cTn id="9" fill="hold">
+                      <p:stCondLst>
+                        <p:cond delay="indefinite"/>
+                      </p:stCondLst>
+                      <p:childTnLst>
+                        <p:par>
+                          <p:cTn id="10" fill="hold">
+                            <p:stCondLst>
+                              <p:cond delay="0"/>
+                            </p:stCondLst>
+                            <p:childTnLst>
+                              <p:par>
+                                <p:cTn id="11" presetID="2" presetClass="entr" presetSubtype="4" fill="hold" nodeType="clickEffect">
+                                  <p:stCondLst>
+                                    <p:cond delay="0"/>
+                                  </p:stCondLst>
+                                  <p:childTnLst>
+                                    <p:set>
+                                      <p:cBhvr>
+                                        <p:cTn id="12" dur="1" fill="hold">
+                                          <p:stCondLst>
+                                            <p:cond delay="0"/>
+                                          </p:stCondLst>
+                                        </p:cTn>
+                                        <p:tgtEl>
+                                          <p:spTgt spid="5"/>
+                                        </p:tgtEl>
+                                        <p:attrNameLst>
+                                          <p:attrName>style.visibility</p:attrName>
+                                        </p:attrNameLst>
+                                      </p:cBhvr>
+                                      <p:to>
+                                        <p:strVal val="visible"/>
+                                      </p:to>
+                                    </p:set>
+                                    <p:anim calcmode="lin" valueType="num">
+                                      <p:cBhvr additive="base">
+                                        <p:cTn id="13" dur="500" fill="hold"/>
+                                        <p:tgtEl>
+                                          <p:spTgt spid="5"/>
+                                        </p:tgtEl>
+                                        <p:attrNameLst>
+                                          <p:attrName>ppt_x</p:attrName>
+                                        </p:attrNameLst>
+                                      </p:cBhvr>
+                                      <p:tavLst>
+                                        <p:tav tm="0">
+                                          <p:val>
+                                            <p:strVal val="#ppt_x"/>
+                                          </p:val>
+                                        </p:tav>
+                                        <p:tav tm="100000">
+                                          <p:val>
+                                            <p:strVal val="#ppt_x"/>
+                                          </p:val>
+                                        </p:tav>
+                                      </p:tavLst>
+                                    </p:anim>
+                                    <p:anim calcmode="lin" valueType="num">
+                                      <p:cBhvr additive="base">
+                                        <p:cTn id="14" dur="500" fill="hold"/>
+                                        <p:tgtEl>
+                                          <p:spTgt spid="5"/>
                                         </p:tgtEl>
                                         <p:attrNameLst>
                                           <p:attrName>ppt_y</p:attrName>
@@ -5852,235 +6541,6 @@
           </a:p>
         </p:txBody>
       </p:sp>
-      <p:pic>
-        <p:nvPicPr>
-          <p:cNvPr id="6" name="Content Placeholder 5">
-            <a:extLst>
-              <a:ext uri="{FF2B5EF4-FFF2-40B4-BE49-F238E27FC236}">
-                <a16:creationId xmlns:a16="http://schemas.microsoft.com/office/drawing/2014/main" id="{597F9A3F-CF41-49C1-AF03-CDC93048C448}"/>
-              </a:ext>
-            </a:extLst>
-          </p:cNvPr>
-          <p:cNvPicPr>
-            <a:picLocks noGrp="1" noChangeAspect="1"/>
-          </p:cNvPicPr>
-          <p:nvPr>
-            <p:ph idx="1"/>
-          </p:nvPr>
-        </p:nvPicPr>
-        <p:blipFill>
-          <a:blip r:embed="rId2">
-            <a:extLst>
-              <a:ext uri="{28A0092B-C50C-407E-A947-70E740481C1C}">
-                <a14:useLocalDpi xmlns:a14="http://schemas.microsoft.com/office/drawing/2010/main" val="0"/>
-              </a:ext>
-            </a:extLst>
-          </a:blip>
-          <a:stretch>
-            <a:fillRect/>
-          </a:stretch>
-        </p:blipFill>
-        <p:spPr>
-          <a:xfrm>
-            <a:off x="2666521" y="1867396"/>
-            <a:ext cx="6858957" cy="4267796"/>
-          </a:xfrm>
-        </p:spPr>
-      </p:pic>
-    </p:spTree>
-    <p:extLst>
-      <p:ext uri="{BB962C8B-B14F-4D97-AF65-F5344CB8AC3E}">
-        <p14:creationId xmlns:p14="http://schemas.microsoft.com/office/powerpoint/2010/main" val="4175945095"/>
-      </p:ext>
-    </p:extLst>
-  </p:cSld>
-  <p:clrMapOvr>
-    <a:masterClrMapping/>
-  </p:clrMapOvr>
-  <mc:AlternateContent xmlns:mc="http://schemas.openxmlformats.org/markup-compatibility/2006">
-    <mc:Choice xmlns:p14="http://schemas.microsoft.com/office/powerpoint/2010/main" Requires="p14">
-      <p:transition spd="med" p14:dur="700">
-        <p:fade/>
-      </p:transition>
-    </mc:Choice>
-    <mc:Fallback>
-      <p:transition spd="med">
-        <p:fade/>
-      </p:transition>
-    </mc:Fallback>
-  </mc:AlternateContent>
-  <p:timing>
-    <p:tnLst>
-      <p:par>
-        <p:cTn id="1" dur="indefinite" restart="never" nodeType="tmRoot">
-          <p:childTnLst>
-            <p:seq concurrent="1" nextAc="seek">
-              <p:cTn id="2" dur="indefinite" nodeType="mainSeq">
-                <p:childTnLst>
-                  <p:par>
-                    <p:cTn id="3" fill="hold">
-                      <p:stCondLst>
-                        <p:cond delay="indefinite"/>
-                      </p:stCondLst>
-                      <p:childTnLst>
-                        <p:par>
-                          <p:cTn id="4" fill="hold">
-                            <p:stCondLst>
-                              <p:cond delay="0"/>
-                            </p:stCondLst>
-                            <p:childTnLst>
-                              <p:par>
-                                <p:cTn id="5" presetID="2" presetClass="entr" presetSubtype="4" fill="hold" nodeType="clickEffect">
-                                  <p:stCondLst>
-                                    <p:cond delay="0"/>
-                                  </p:stCondLst>
-                                  <p:childTnLst>
-                                    <p:set>
-                                      <p:cBhvr>
-                                        <p:cTn id="6" dur="1" fill="hold">
-                                          <p:stCondLst>
-                                            <p:cond delay="0"/>
-                                          </p:stCondLst>
-                                        </p:cTn>
-                                        <p:tgtEl>
-                                          <p:spTgt spid="6"/>
-                                        </p:tgtEl>
-                                        <p:attrNameLst>
-                                          <p:attrName>style.visibility</p:attrName>
-                                        </p:attrNameLst>
-                                      </p:cBhvr>
-                                      <p:to>
-                                        <p:strVal val="visible"/>
-                                      </p:to>
-                                    </p:set>
-                                    <p:anim calcmode="lin" valueType="num">
-                                      <p:cBhvr additive="base">
-                                        <p:cTn id="7" dur="500" fill="hold"/>
-                                        <p:tgtEl>
-                                          <p:spTgt spid="6"/>
-                                        </p:tgtEl>
-                                        <p:attrNameLst>
-                                          <p:attrName>ppt_x</p:attrName>
-                                        </p:attrNameLst>
-                                      </p:cBhvr>
-                                      <p:tavLst>
-                                        <p:tav tm="0">
-                                          <p:val>
-                                            <p:strVal val="#ppt_x"/>
-                                          </p:val>
-                                        </p:tav>
-                                        <p:tav tm="100000">
-                                          <p:val>
-                                            <p:strVal val="#ppt_x"/>
-                                          </p:val>
-                                        </p:tav>
-                                      </p:tavLst>
-                                    </p:anim>
-                                    <p:anim calcmode="lin" valueType="num">
-                                      <p:cBhvr additive="base">
-                                        <p:cTn id="8" dur="500" fill="hold"/>
-                                        <p:tgtEl>
-                                          <p:spTgt spid="6"/>
-                                        </p:tgtEl>
-                                        <p:attrNameLst>
-                                          <p:attrName>ppt_y</p:attrName>
-                                        </p:attrNameLst>
-                                      </p:cBhvr>
-                                      <p:tavLst>
-                                        <p:tav tm="0">
-                                          <p:val>
-                                            <p:strVal val="1+#ppt_h/2"/>
-                                          </p:val>
-                                        </p:tav>
-                                        <p:tav tm="100000">
-                                          <p:val>
-                                            <p:strVal val="#ppt_y"/>
-                                          </p:val>
-                                        </p:tav>
-                                      </p:tavLst>
-                                    </p:anim>
-                                  </p:childTnLst>
-                                </p:cTn>
-                              </p:par>
-                            </p:childTnLst>
-                          </p:cTn>
-                        </p:par>
-                      </p:childTnLst>
-                    </p:cTn>
-                  </p:par>
-                </p:childTnLst>
-              </p:cTn>
-              <p:prevCondLst>
-                <p:cond evt="onPrev" delay="0">
-                  <p:tgtEl>
-                    <p:sldTgt/>
-                  </p:tgtEl>
-                </p:cond>
-              </p:prevCondLst>
-              <p:nextCondLst>
-                <p:cond evt="onNext" delay="0">
-                  <p:tgtEl>
-                    <p:sldTgt/>
-                  </p:tgtEl>
-                </p:cond>
-              </p:nextCondLst>
-            </p:seq>
-          </p:childTnLst>
-        </p:cTn>
-      </p:par>
-    </p:tnLst>
-  </p:timing>
-</p:sld>
-</file>
-
-<file path=ppt/slides/slide18.xml><?xml version="1.0" encoding="utf-8"?>
-<p:sld xmlns:a="http://schemas.openxmlformats.org/drawingml/2006/main" xmlns:r="http://schemas.openxmlformats.org/officeDocument/2006/relationships" xmlns:p="http://schemas.openxmlformats.org/presentationml/2006/main">
-  <p:cSld>
-    <p:spTree>
-      <p:nvGrpSpPr>
-        <p:cNvPr id="1" name=""/>
-        <p:cNvGrpSpPr/>
-        <p:nvPr/>
-      </p:nvGrpSpPr>
-      <p:grpSpPr>
-        <a:xfrm>
-          <a:off x="0" y="0"/>
-          <a:ext cx="0" cy="0"/>
-          <a:chOff x="0" y="0"/>
-          <a:chExt cx="0" cy="0"/>
-        </a:xfrm>
-      </p:grpSpPr>
-      <p:sp>
-        <p:nvSpPr>
-          <p:cNvPr id="2" name="Title 1">
-            <a:extLst>
-              <a:ext uri="{FF2B5EF4-FFF2-40B4-BE49-F238E27FC236}">
-                <a16:creationId xmlns:a16="http://schemas.microsoft.com/office/drawing/2014/main" id="{5E1CFB3D-600C-4CFE-AB6B-764A8E267292}"/>
-              </a:ext>
-            </a:extLst>
-          </p:cNvPr>
-          <p:cNvSpPr>
-            <a:spLocks noGrp="1"/>
-          </p:cNvSpPr>
-          <p:nvPr>
-            <p:ph type="title"/>
-          </p:nvPr>
-        </p:nvSpPr>
-        <p:spPr/>
-        <p:txBody>
-          <a:bodyPr/>
-          <a:lstStyle/>
-          <a:p>
-            <a:pPr algn="ctr"/>
-            <a:r>
-              <a:rPr lang="en-US" dirty="0">
-                <a:latin typeface="Rockwell Extra Bold" panose="02060903040505020403" pitchFamily="18" charset="0"/>
-              </a:rPr>
-              <a:t>Crime</a:t>
-            </a:r>
-          </a:p>
-        </p:txBody>
-      </p:sp>
       <p:sp>
         <p:nvSpPr>
           <p:cNvPr id="8" name="Content Placeholder 7">
@@ -6097,7 +6557,12 @@
             <p:ph idx="1"/>
           </p:nvPr>
         </p:nvSpPr>
-        <p:spPr/>
+        <p:spPr>
+          <a:xfrm>
+            <a:off x="838200" y="1247915"/>
+            <a:ext cx="10515600" cy="4351338"/>
+          </a:xfrm>
+        </p:spPr>
         <p:txBody>
           <a:bodyPr/>
           <a:lstStyle/>
@@ -6109,28 +6574,88 @@
               <a:rPr lang="en-US" dirty="0">
                 <a:latin typeface="Rockwell Extra Bold" panose="02060903040505020403" pitchFamily="18" charset="0"/>
               </a:rPr>
-              <a:t>Data:</a:t>
+              <a:t>Exploration and Clean up:</a:t>
             </a:r>
           </a:p>
         </p:txBody>
       </p:sp>
+      <p:pic>
+        <p:nvPicPr>
+          <p:cNvPr id="6" name="Picture 5">
+            <a:extLst>
+              <a:ext uri="{FF2B5EF4-FFF2-40B4-BE49-F238E27FC236}">
+                <a16:creationId xmlns:a16="http://schemas.microsoft.com/office/drawing/2014/main" id="{315FC273-16EC-4A9B-B8C5-DEEDB03A8A24}"/>
+              </a:ext>
+            </a:extLst>
+          </p:cNvPr>
+          <p:cNvPicPr>
+            <a:picLocks noChangeAspect="1"/>
+          </p:cNvPicPr>
+          <p:nvPr/>
+        </p:nvPicPr>
+        <p:blipFill>
+          <a:blip r:embed="rId2"/>
+          <a:stretch>
+            <a:fillRect/>
+          </a:stretch>
+        </p:blipFill>
+        <p:spPr>
+          <a:xfrm>
+            <a:off x="2675021" y="1690687"/>
+            <a:ext cx="7341266" cy="2752975"/>
+          </a:xfrm>
+          <a:prstGeom prst="rect">
+            <a:avLst/>
+          </a:prstGeom>
+        </p:spPr>
+      </p:pic>
+      <p:pic>
+        <p:nvPicPr>
+          <p:cNvPr id="7" name="Picture 6">
+            <a:extLst>
+              <a:ext uri="{FF2B5EF4-FFF2-40B4-BE49-F238E27FC236}">
+                <a16:creationId xmlns:a16="http://schemas.microsoft.com/office/drawing/2014/main" id="{F9D4A6A2-B81D-4A96-8315-1CD35531C1B9}"/>
+              </a:ext>
+            </a:extLst>
+          </p:cNvPr>
+          <p:cNvPicPr>
+            <a:picLocks noChangeAspect="1"/>
+          </p:cNvPicPr>
+          <p:nvPr/>
+        </p:nvPicPr>
+        <p:blipFill>
+          <a:blip r:embed="rId3"/>
+          <a:stretch>
+            <a:fillRect/>
+          </a:stretch>
+        </p:blipFill>
+        <p:spPr>
+          <a:xfrm>
+            <a:off x="2037346" y="4443662"/>
+            <a:ext cx="8935453" cy="1178810"/>
+          </a:xfrm>
+          <a:prstGeom prst="rect">
+            <a:avLst/>
+          </a:prstGeom>
+        </p:spPr>
+      </p:pic>
     </p:spTree>
     <p:extLst>
       <p:ext uri="{BB962C8B-B14F-4D97-AF65-F5344CB8AC3E}">
-        <p14:creationId xmlns:p14="http://schemas.microsoft.com/office/powerpoint/2010/main" val="1592071233"/>
+        <p14:creationId xmlns:p14="http://schemas.microsoft.com/office/powerpoint/2010/main" val="3327057866"/>
       </p:ext>
     </p:extLst>
   </p:cSld>
   <p:clrMapOvr>
     <a:masterClrMapping/>
   </p:clrMapOvr>
-  <mc:AlternateContent xmlns:mc="http://schemas.openxmlformats.org/markup-compatibility/2006">
-    <mc:Choice xmlns:p14="http://schemas.microsoft.com/office/powerpoint/2010/main" Requires="p14">
+  <mc:AlternateContent xmlns:mc="http://schemas.openxmlformats.org/markup-compatibility/2006" xmlns:p14="http://schemas.microsoft.com/office/powerpoint/2010/main">
+    <mc:Choice Requires="p14">
       <p:transition spd="med" p14:dur="700">
         <p:fade/>
       </p:transition>
     </mc:Choice>
-    <mc:Fallback>
+    <mc:Fallback xmlns="">
       <p:transition spd="med">
         <p:fade/>
       </p:transition>
@@ -6275,7 +6800,7 @@
 </p:sld>
 </file>
 
-<file path=ppt/slides/slide19.xml><?xml version="1.0" encoding="utf-8"?>
+<file path=ppt/slides/slide18.xml><?xml version="1.0" encoding="utf-8"?>
 <p:sld xmlns:a="http://schemas.openxmlformats.org/drawingml/2006/main" xmlns:r="http://schemas.openxmlformats.org/officeDocument/2006/relationships" xmlns:p="http://schemas.openxmlformats.org/presentationml/2006/main">
   <p:cSld>
     <p:spTree>
@@ -6318,61 +6843,63 @@
               <a:rPr lang="en-US" dirty="0">
                 <a:latin typeface="Rockwell Extra Bold" panose="02060903040505020403" pitchFamily="18" charset="0"/>
               </a:rPr>
-              <a:t>Crime</a:t>
+              <a:t>Education</a:t>
             </a:r>
           </a:p>
         </p:txBody>
       </p:sp>
-      <p:sp>
-        <p:nvSpPr>
-          <p:cNvPr id="8" name="Content Placeholder 7">
+      <p:pic>
+        <p:nvPicPr>
+          <p:cNvPr id="7" name="Content Placeholder 6">
             <a:extLst>
               <a:ext uri="{FF2B5EF4-FFF2-40B4-BE49-F238E27FC236}">
-                <a16:creationId xmlns:a16="http://schemas.microsoft.com/office/drawing/2014/main" id="{FAF14B3F-D0B7-432F-8666-48C116F1D99F}"/>
+                <a16:creationId xmlns:a16="http://schemas.microsoft.com/office/drawing/2014/main" id="{0ADB0C73-9D77-4AF1-A800-88494DF07358}"/>
               </a:ext>
             </a:extLst>
           </p:cNvPr>
-          <p:cNvSpPr>
-            <a:spLocks noGrp="1"/>
-          </p:cNvSpPr>
+          <p:cNvPicPr>
+            <a:picLocks noGrp="1" noChangeAspect="1"/>
+          </p:cNvPicPr>
           <p:nvPr>
             <p:ph idx="1"/>
           </p:nvPr>
-        </p:nvSpPr>
-        <p:spPr/>
-        <p:txBody>
-          <a:bodyPr/>
-          <a:lstStyle/>
-          <a:p>
-            <a:pPr marL="0" indent="0" algn="ctr">
-              <a:buNone/>
-            </a:pPr>
-            <a:r>
-              <a:rPr lang="en-US" dirty="0">
-                <a:latin typeface="Rockwell Extra Bold" panose="02060903040505020403" pitchFamily="18" charset="0"/>
-              </a:rPr>
-              <a:t>Exploration and Clean up:</a:t>
-            </a:r>
-          </a:p>
-        </p:txBody>
-      </p:sp>
+        </p:nvPicPr>
+        <p:blipFill>
+          <a:blip r:embed="rId2">
+            <a:extLst>
+              <a:ext uri="{28A0092B-C50C-407E-A947-70E740481C1C}">
+                <a14:useLocalDpi xmlns:a14="http://schemas.microsoft.com/office/drawing/2010/main" val="0"/>
+              </a:ext>
+            </a:extLst>
+          </a:blip>
+          <a:stretch>
+            <a:fillRect/>
+          </a:stretch>
+        </p:blipFill>
+        <p:spPr>
+          <a:xfrm>
+            <a:off x="2875721" y="1825625"/>
+            <a:ext cx="6463187" cy="4366628"/>
+          </a:xfrm>
+        </p:spPr>
+      </p:pic>
     </p:spTree>
     <p:extLst>
       <p:ext uri="{BB962C8B-B14F-4D97-AF65-F5344CB8AC3E}">
-        <p14:creationId xmlns:p14="http://schemas.microsoft.com/office/powerpoint/2010/main" val="3655779951"/>
+        <p14:creationId xmlns:p14="http://schemas.microsoft.com/office/powerpoint/2010/main" val="4123148783"/>
       </p:ext>
     </p:extLst>
   </p:cSld>
   <p:clrMapOvr>
     <a:masterClrMapping/>
   </p:clrMapOvr>
-  <mc:AlternateContent xmlns:mc="http://schemas.openxmlformats.org/markup-compatibility/2006">
-    <mc:Choice xmlns:p14="http://schemas.microsoft.com/office/powerpoint/2010/main" Requires="p14">
+  <mc:AlternateContent xmlns:mc="http://schemas.openxmlformats.org/markup-compatibility/2006" xmlns:p14="http://schemas.microsoft.com/office/powerpoint/2010/main">
+    <mc:Choice Requires="p14">
       <p:transition spd="med" p14:dur="700">
         <p:fade/>
       </p:transition>
     </mc:Choice>
-    <mc:Fallback>
+    <mc:Fallback xmlns="">
       <p:transition spd="med">
         <p:fade/>
       </p:transition>
@@ -6399,7 +6926,7 @@
                             </p:stCondLst>
                             <p:childTnLst>
                               <p:par>
-                                <p:cTn id="5" presetID="2" presetClass="entr" presetSubtype="4" fill="hold" grpId="0" nodeType="clickEffect">
+                                <p:cTn id="5" presetID="2" presetClass="entr" presetSubtype="4" fill="hold" nodeType="clickEffect">
                                   <p:stCondLst>
                                     <p:cond delay="0"/>
                                   </p:stCondLst>
@@ -6412,11 +6939,7 @@
                                           </p:stCondLst>
                                         </p:cTn>
                                         <p:tgtEl>
-                                          <p:spTgt spid="8">
-                                            <p:txEl>
-                                              <p:pRg st="0" end="0"/>
-                                            </p:txEl>
-                                          </p:spTgt>
+                                          <p:spTgt spid="7"/>
                                         </p:tgtEl>
                                         <p:attrNameLst>
                                           <p:attrName>style.visibility</p:attrName>
@@ -6430,11 +6953,7 @@
                                       <p:cBhvr additive="base">
                                         <p:cTn id="7" dur="500" fill="hold"/>
                                         <p:tgtEl>
-                                          <p:spTgt spid="8">
-                                            <p:txEl>
-                                              <p:pRg st="0" end="0"/>
-                                            </p:txEl>
-                                          </p:spTgt>
+                                          <p:spTgt spid="7"/>
                                         </p:tgtEl>
                                         <p:attrNameLst>
                                           <p:attrName>ppt_x</p:attrName>
@@ -6457,11 +6976,7 @@
                                       <p:cBhvr additive="base">
                                         <p:cTn id="8" dur="500" fill="hold"/>
                                         <p:tgtEl>
-                                          <p:spTgt spid="8">
-                                            <p:txEl>
-                                              <p:pRg st="0" end="0"/>
-                                            </p:txEl>
-                                          </p:spTgt>
+                                          <p:spTgt spid="7"/>
                                         </p:tgtEl>
                                         <p:attrNameLst>
                                           <p:attrName>ppt_y</p:attrName>
@@ -6510,10 +7025,112 @@
         </p:cTn>
       </p:par>
     </p:tnLst>
-    <p:bldLst>
-      <p:bldP spid="8" grpId="0" build="p"/>
-    </p:bldLst>
   </p:timing>
+</p:sld>
+</file>
+
+<file path=ppt/slides/slide19.xml><?xml version="1.0" encoding="utf-8"?>
+<p:sld xmlns:a="http://schemas.openxmlformats.org/drawingml/2006/main" xmlns:r="http://schemas.openxmlformats.org/officeDocument/2006/relationships" xmlns:p="http://schemas.openxmlformats.org/presentationml/2006/main">
+  <p:cSld>
+    <p:spTree>
+      <p:nvGrpSpPr>
+        <p:cNvPr id="1" name=""/>
+        <p:cNvGrpSpPr/>
+        <p:nvPr/>
+      </p:nvGrpSpPr>
+      <p:grpSpPr>
+        <a:xfrm>
+          <a:off x="0" y="0"/>
+          <a:ext cx="0" cy="0"/>
+          <a:chOff x="0" y="0"/>
+          <a:chExt cx="0" cy="0"/>
+        </a:xfrm>
+      </p:grpSpPr>
+      <p:sp>
+        <p:nvSpPr>
+          <p:cNvPr id="2" name="Title 1">
+            <a:extLst>
+              <a:ext uri="{FF2B5EF4-FFF2-40B4-BE49-F238E27FC236}">
+                <a16:creationId xmlns:a16="http://schemas.microsoft.com/office/drawing/2014/main" id="{5E1CFB3D-600C-4CFE-AB6B-764A8E267292}"/>
+              </a:ext>
+            </a:extLst>
+          </p:cNvPr>
+          <p:cNvSpPr>
+            <a:spLocks noGrp="1"/>
+          </p:cNvSpPr>
+          <p:nvPr>
+            <p:ph type="title"/>
+          </p:nvPr>
+        </p:nvSpPr>
+        <p:spPr/>
+        <p:txBody>
+          <a:bodyPr/>
+          <a:lstStyle/>
+          <a:p>
+            <a:pPr algn="ctr"/>
+            <a:r>
+              <a:rPr lang="en-US" dirty="0">
+                <a:latin typeface="Rockwell Extra Bold" panose="02060903040505020403" pitchFamily="18" charset="0"/>
+              </a:rPr>
+              <a:t>Education</a:t>
+            </a:r>
+          </a:p>
+        </p:txBody>
+      </p:sp>
+      <p:pic>
+        <p:nvPicPr>
+          <p:cNvPr id="5" name="Content Placeholder 4">
+            <a:extLst>
+              <a:ext uri="{FF2B5EF4-FFF2-40B4-BE49-F238E27FC236}">
+                <a16:creationId xmlns:a16="http://schemas.microsoft.com/office/drawing/2014/main" id="{89715AED-ECFE-47B6-B4D1-B0B6C8996937}"/>
+              </a:ext>
+            </a:extLst>
+          </p:cNvPr>
+          <p:cNvPicPr>
+            <a:picLocks noGrp="1" noChangeAspect="1"/>
+          </p:cNvPicPr>
+          <p:nvPr>
+            <p:ph idx="1"/>
+          </p:nvPr>
+        </p:nvPicPr>
+        <p:blipFill>
+          <a:blip r:embed="rId2"/>
+          <a:stretch>
+            <a:fillRect/>
+          </a:stretch>
+        </p:blipFill>
+        <p:spPr>
+          <a:xfrm>
+            <a:off x="2657475" y="1690688"/>
+            <a:ext cx="6877050" cy="4191000"/>
+          </a:xfrm>
+          <a:prstGeom prst="rect">
+            <a:avLst/>
+          </a:prstGeom>
+        </p:spPr>
+      </p:pic>
+    </p:spTree>
+    <p:extLst>
+      <p:ext uri="{BB962C8B-B14F-4D97-AF65-F5344CB8AC3E}">
+        <p14:creationId xmlns:p14="http://schemas.microsoft.com/office/powerpoint/2010/main" val="3474515084"/>
+      </p:ext>
+    </p:extLst>
+  </p:cSld>
+  <p:clrMapOvr>
+    <a:masterClrMapping/>
+  </p:clrMapOvr>
+  <mc:AlternateContent xmlns:mc="http://schemas.openxmlformats.org/markup-compatibility/2006" xmlns:p14="http://schemas.microsoft.com/office/powerpoint/2010/main">
+    <mc:Choice Requires="p14">
+      <p:transition spd="med" p14:dur="700">
+        <p:fade/>
+      </p:transition>
+    </mc:Choice>
+    <mc:Fallback xmlns="">
+      <p:transition spd="med">
+        <p:fade/>
+      </p:transition>
+    </mc:Fallback>
+  </mc:AlternateContent>
 </p:sld>
 </file>
 
@@ -6630,13 +7247,13 @@
   <p:clrMapOvr>
     <a:masterClrMapping/>
   </p:clrMapOvr>
-  <mc:AlternateContent xmlns:mc="http://schemas.openxmlformats.org/markup-compatibility/2006">
-    <mc:Choice xmlns:p14="http://schemas.microsoft.com/office/powerpoint/2010/main" Requires="p14">
+  <mc:AlternateContent xmlns:mc="http://schemas.openxmlformats.org/markup-compatibility/2006" xmlns:p14="http://schemas.microsoft.com/office/powerpoint/2010/main">
+    <mc:Choice Requires="p14">
       <p:transition spd="med" p14:dur="700">
         <p:fade/>
       </p:transition>
     </mc:Choice>
-    <mc:Fallback>
+    <mc:Fallback xmlns="">
       <p:transition spd="med">
         <p:fade/>
       </p:transition>
@@ -7035,58 +7652,472 @@
           </a:p>
         </p:txBody>
       </p:sp>
-      <p:pic>
-        <p:nvPicPr>
-          <p:cNvPr id="6" name="Content Placeholder 5">
+      <p:sp>
+        <p:nvSpPr>
+          <p:cNvPr id="8" name="Content Placeholder 7">
             <a:extLst>
               <a:ext uri="{FF2B5EF4-FFF2-40B4-BE49-F238E27FC236}">
-                <a16:creationId xmlns:a16="http://schemas.microsoft.com/office/drawing/2014/main" id="{AAD6F7B7-22DE-48CD-9D07-C6F7529B9B00}"/>
+                <a16:creationId xmlns:a16="http://schemas.microsoft.com/office/drawing/2014/main" id="{FAF14B3F-D0B7-432F-8666-48C116F1D99F}"/>
               </a:ext>
             </a:extLst>
           </p:cNvPr>
-          <p:cNvPicPr>
-            <a:picLocks noGrp="1" noChangeAspect="1"/>
-          </p:cNvPicPr>
+          <p:cNvSpPr>
+            <a:spLocks noGrp="1"/>
+          </p:cNvSpPr>
           <p:nvPr>
             <p:ph idx="1"/>
           </p:nvPr>
+        </p:nvSpPr>
+        <p:spPr/>
+        <p:txBody>
+          <a:bodyPr/>
+          <a:lstStyle/>
+          <a:p>
+            <a:pPr marL="0" indent="0" algn="ctr">
+              <a:buNone/>
+            </a:pPr>
+            <a:r>
+              <a:rPr lang="en-US" dirty="0">
+                <a:latin typeface="Rockwell Extra Bold" panose="02060903040505020403" pitchFamily="18" charset="0"/>
+              </a:rPr>
+              <a:t>Data:</a:t>
+            </a:r>
+          </a:p>
+          <a:p>
+            <a:pPr marL="0" indent="0" algn="ctr">
+              <a:buNone/>
+            </a:pPr>
+            <a:r>
+              <a:rPr lang="en-US" dirty="0">
+                <a:latin typeface="Rockwell Extra Bold" panose="02060903040505020403" pitchFamily="18" charset="0"/>
+              </a:rPr>
+              <a:t>United Nations Office on Drug and Crime</a:t>
+            </a:r>
+          </a:p>
+        </p:txBody>
+      </p:sp>
+    </p:spTree>
+    <p:extLst>
+      <p:ext uri="{BB962C8B-B14F-4D97-AF65-F5344CB8AC3E}">
+        <p14:creationId xmlns:p14="http://schemas.microsoft.com/office/powerpoint/2010/main" val="1592071233"/>
+      </p:ext>
+    </p:extLst>
+  </p:cSld>
+  <p:clrMapOvr>
+    <a:masterClrMapping/>
+  </p:clrMapOvr>
+  <mc:AlternateContent xmlns:mc="http://schemas.openxmlformats.org/markup-compatibility/2006" xmlns:p14="http://schemas.microsoft.com/office/powerpoint/2010/main">
+    <mc:Choice Requires="p14">
+      <p:transition spd="med" p14:dur="700">
+        <p:fade/>
+      </p:transition>
+    </mc:Choice>
+    <mc:Fallback xmlns="">
+      <p:transition spd="med">
+        <p:fade/>
+      </p:transition>
+    </mc:Fallback>
+  </mc:AlternateContent>
+  <p:timing>
+    <p:tnLst>
+      <p:par>
+        <p:cTn id="1" dur="indefinite" restart="never" nodeType="tmRoot">
+          <p:childTnLst>
+            <p:seq concurrent="1" nextAc="seek">
+              <p:cTn id="2" dur="indefinite" nodeType="mainSeq">
+                <p:childTnLst>
+                  <p:par>
+                    <p:cTn id="3" fill="hold">
+                      <p:stCondLst>
+                        <p:cond delay="indefinite"/>
+                      </p:stCondLst>
+                      <p:childTnLst>
+                        <p:par>
+                          <p:cTn id="4" fill="hold">
+                            <p:stCondLst>
+                              <p:cond delay="0"/>
+                            </p:stCondLst>
+                            <p:childTnLst>
+                              <p:par>
+                                <p:cTn id="5" presetID="2" presetClass="entr" presetSubtype="4" fill="hold" grpId="0" nodeType="clickEffect">
+                                  <p:stCondLst>
+                                    <p:cond delay="0"/>
+                                  </p:stCondLst>
+                                  <p:childTnLst>
+                                    <p:set>
+                                      <p:cBhvr>
+                                        <p:cTn id="6" dur="1" fill="hold">
+                                          <p:stCondLst>
+                                            <p:cond delay="0"/>
+                                          </p:stCondLst>
+                                        </p:cTn>
+                                        <p:tgtEl>
+                                          <p:spTgt spid="8">
+                                            <p:txEl>
+                                              <p:pRg st="0" end="0"/>
+                                            </p:txEl>
+                                          </p:spTgt>
+                                        </p:tgtEl>
+                                        <p:attrNameLst>
+                                          <p:attrName>style.visibility</p:attrName>
+                                        </p:attrNameLst>
+                                      </p:cBhvr>
+                                      <p:to>
+                                        <p:strVal val="visible"/>
+                                      </p:to>
+                                    </p:set>
+                                    <p:anim calcmode="lin" valueType="num">
+                                      <p:cBhvr additive="base">
+                                        <p:cTn id="7" dur="500" fill="hold"/>
+                                        <p:tgtEl>
+                                          <p:spTgt spid="8">
+                                            <p:txEl>
+                                              <p:pRg st="0" end="0"/>
+                                            </p:txEl>
+                                          </p:spTgt>
+                                        </p:tgtEl>
+                                        <p:attrNameLst>
+                                          <p:attrName>ppt_x</p:attrName>
+                                        </p:attrNameLst>
+                                      </p:cBhvr>
+                                      <p:tavLst>
+                                        <p:tav tm="0">
+                                          <p:val>
+                                            <p:strVal val="#ppt_x"/>
+                                          </p:val>
+                                        </p:tav>
+                                        <p:tav tm="100000">
+                                          <p:val>
+                                            <p:strVal val="#ppt_x"/>
+                                          </p:val>
+                                        </p:tav>
+                                      </p:tavLst>
+                                    </p:anim>
+                                    <p:anim calcmode="lin" valueType="num">
+                                      <p:cBhvr additive="base">
+                                        <p:cTn id="8" dur="500" fill="hold"/>
+                                        <p:tgtEl>
+                                          <p:spTgt spid="8">
+                                            <p:txEl>
+                                              <p:pRg st="0" end="0"/>
+                                            </p:txEl>
+                                          </p:spTgt>
+                                        </p:tgtEl>
+                                        <p:attrNameLst>
+                                          <p:attrName>ppt_y</p:attrName>
+                                        </p:attrNameLst>
+                                      </p:cBhvr>
+                                      <p:tavLst>
+                                        <p:tav tm="0">
+                                          <p:val>
+                                            <p:strVal val="1+#ppt_h/2"/>
+                                          </p:val>
+                                        </p:tav>
+                                        <p:tav tm="100000">
+                                          <p:val>
+                                            <p:strVal val="#ppt_y"/>
+                                          </p:val>
+                                        </p:tav>
+                                      </p:tavLst>
+                                    </p:anim>
+                                  </p:childTnLst>
+                                </p:cTn>
+                              </p:par>
+                            </p:childTnLst>
+                          </p:cTn>
+                        </p:par>
+                      </p:childTnLst>
+                    </p:cTn>
+                  </p:par>
+                  <p:par>
+                    <p:cTn id="9" fill="hold">
+                      <p:stCondLst>
+                        <p:cond delay="indefinite"/>
+                      </p:stCondLst>
+                      <p:childTnLst>
+                        <p:par>
+                          <p:cTn id="10" fill="hold">
+                            <p:stCondLst>
+                              <p:cond delay="0"/>
+                            </p:stCondLst>
+                            <p:childTnLst>
+                              <p:par>
+                                <p:cTn id="11" presetID="2" presetClass="entr" presetSubtype="4" fill="hold" grpId="0" nodeType="clickEffect">
+                                  <p:stCondLst>
+                                    <p:cond delay="0"/>
+                                  </p:stCondLst>
+                                  <p:childTnLst>
+                                    <p:set>
+                                      <p:cBhvr>
+                                        <p:cTn id="12" dur="1" fill="hold">
+                                          <p:stCondLst>
+                                            <p:cond delay="0"/>
+                                          </p:stCondLst>
+                                        </p:cTn>
+                                        <p:tgtEl>
+                                          <p:spTgt spid="8">
+                                            <p:txEl>
+                                              <p:pRg st="1" end="1"/>
+                                            </p:txEl>
+                                          </p:spTgt>
+                                        </p:tgtEl>
+                                        <p:attrNameLst>
+                                          <p:attrName>style.visibility</p:attrName>
+                                        </p:attrNameLst>
+                                      </p:cBhvr>
+                                      <p:to>
+                                        <p:strVal val="visible"/>
+                                      </p:to>
+                                    </p:set>
+                                    <p:anim calcmode="lin" valueType="num">
+                                      <p:cBhvr additive="base">
+                                        <p:cTn id="13" dur="500" fill="hold"/>
+                                        <p:tgtEl>
+                                          <p:spTgt spid="8">
+                                            <p:txEl>
+                                              <p:pRg st="1" end="1"/>
+                                            </p:txEl>
+                                          </p:spTgt>
+                                        </p:tgtEl>
+                                        <p:attrNameLst>
+                                          <p:attrName>ppt_x</p:attrName>
+                                        </p:attrNameLst>
+                                      </p:cBhvr>
+                                      <p:tavLst>
+                                        <p:tav tm="0">
+                                          <p:val>
+                                            <p:strVal val="#ppt_x"/>
+                                          </p:val>
+                                        </p:tav>
+                                        <p:tav tm="100000">
+                                          <p:val>
+                                            <p:strVal val="#ppt_x"/>
+                                          </p:val>
+                                        </p:tav>
+                                      </p:tavLst>
+                                    </p:anim>
+                                    <p:anim calcmode="lin" valueType="num">
+                                      <p:cBhvr additive="base">
+                                        <p:cTn id="14" dur="500" fill="hold"/>
+                                        <p:tgtEl>
+                                          <p:spTgt spid="8">
+                                            <p:txEl>
+                                              <p:pRg st="1" end="1"/>
+                                            </p:txEl>
+                                          </p:spTgt>
+                                        </p:tgtEl>
+                                        <p:attrNameLst>
+                                          <p:attrName>ppt_y</p:attrName>
+                                        </p:attrNameLst>
+                                      </p:cBhvr>
+                                      <p:tavLst>
+                                        <p:tav tm="0">
+                                          <p:val>
+                                            <p:strVal val="1+#ppt_h/2"/>
+                                          </p:val>
+                                        </p:tav>
+                                        <p:tav tm="100000">
+                                          <p:val>
+                                            <p:strVal val="#ppt_y"/>
+                                          </p:val>
+                                        </p:tav>
+                                      </p:tavLst>
+                                    </p:anim>
+                                  </p:childTnLst>
+                                </p:cTn>
+                              </p:par>
+                            </p:childTnLst>
+                          </p:cTn>
+                        </p:par>
+                      </p:childTnLst>
+                    </p:cTn>
+                  </p:par>
+                </p:childTnLst>
+              </p:cTn>
+              <p:prevCondLst>
+                <p:cond evt="onPrev" delay="0">
+                  <p:tgtEl>
+                    <p:sldTgt/>
+                  </p:tgtEl>
+                </p:cond>
+              </p:prevCondLst>
+              <p:nextCondLst>
+                <p:cond evt="onNext" delay="0">
+                  <p:tgtEl>
+                    <p:sldTgt/>
+                  </p:tgtEl>
+                </p:cond>
+              </p:nextCondLst>
+            </p:seq>
+          </p:childTnLst>
+        </p:cTn>
+      </p:par>
+    </p:tnLst>
+    <p:bldLst>
+      <p:bldP spid="8" grpId="0" build="p"/>
+    </p:bldLst>
+  </p:timing>
+</p:sld>
+</file>
+
+<file path=ppt/slides/slide21.xml><?xml version="1.0" encoding="utf-8"?>
+<p:sld xmlns:a="http://schemas.openxmlformats.org/drawingml/2006/main" xmlns:r="http://schemas.openxmlformats.org/officeDocument/2006/relationships" xmlns:p="http://schemas.openxmlformats.org/presentationml/2006/main">
+  <p:cSld>
+    <p:spTree>
+      <p:nvGrpSpPr>
+        <p:cNvPr id="1" name=""/>
+        <p:cNvGrpSpPr/>
+        <p:nvPr/>
+      </p:nvGrpSpPr>
+      <p:grpSpPr>
+        <a:xfrm>
+          <a:off x="0" y="0"/>
+          <a:ext cx="0" cy="0"/>
+          <a:chOff x="0" y="0"/>
+          <a:chExt cx="0" cy="0"/>
+        </a:xfrm>
+      </p:grpSpPr>
+      <p:sp>
+        <p:nvSpPr>
+          <p:cNvPr id="2" name="Title 1">
+            <a:extLst>
+              <a:ext uri="{FF2B5EF4-FFF2-40B4-BE49-F238E27FC236}">
+                <a16:creationId xmlns:a16="http://schemas.microsoft.com/office/drawing/2014/main" id="{5E1CFB3D-600C-4CFE-AB6B-764A8E267292}"/>
+              </a:ext>
+            </a:extLst>
+          </p:cNvPr>
+          <p:cNvSpPr>
+            <a:spLocks noGrp="1"/>
+          </p:cNvSpPr>
+          <p:nvPr>
+            <p:ph type="title"/>
+          </p:nvPr>
+        </p:nvSpPr>
+        <p:spPr/>
+        <p:txBody>
+          <a:bodyPr/>
+          <a:lstStyle/>
+          <a:p>
+            <a:pPr algn="ctr"/>
+            <a:r>
+              <a:rPr lang="en-US" dirty="0">
+                <a:latin typeface="Rockwell Extra Bold" panose="02060903040505020403" pitchFamily="18" charset="0"/>
+              </a:rPr>
+              <a:t>Crime</a:t>
+            </a:r>
+          </a:p>
+        </p:txBody>
+      </p:sp>
+      <p:sp>
+        <p:nvSpPr>
+          <p:cNvPr id="8" name="Content Placeholder 7">
+            <a:extLst>
+              <a:ext uri="{FF2B5EF4-FFF2-40B4-BE49-F238E27FC236}">
+                <a16:creationId xmlns:a16="http://schemas.microsoft.com/office/drawing/2014/main" id="{FAF14B3F-D0B7-432F-8666-48C116F1D99F}"/>
+              </a:ext>
+            </a:extLst>
+          </p:cNvPr>
+          <p:cNvSpPr>
+            <a:spLocks noGrp="1"/>
+          </p:cNvSpPr>
+          <p:nvPr>
+            <p:ph idx="1"/>
+          </p:nvPr>
+        </p:nvSpPr>
+        <p:spPr/>
+        <p:txBody>
+          <a:bodyPr/>
+          <a:lstStyle/>
+          <a:p>
+            <a:pPr marL="0" indent="0" algn="ctr">
+              <a:buNone/>
+            </a:pPr>
+            <a:r>
+              <a:rPr lang="en-US" dirty="0">
+                <a:latin typeface="Rockwell Extra Bold" panose="02060903040505020403" pitchFamily="18" charset="0"/>
+              </a:rPr>
+              <a:t>Exploration and Clean up:</a:t>
+            </a:r>
+          </a:p>
+        </p:txBody>
+      </p:sp>
+      <p:pic>
+        <p:nvPicPr>
+          <p:cNvPr id="3" name="Picture 2">
+            <a:extLst>
+              <a:ext uri="{FF2B5EF4-FFF2-40B4-BE49-F238E27FC236}">
+                <a16:creationId xmlns:a16="http://schemas.microsoft.com/office/drawing/2014/main" id="{02D8F5B6-ACD6-437A-A8F6-2FF863CED4AC}"/>
+              </a:ext>
+            </a:extLst>
+          </p:cNvPr>
+          <p:cNvPicPr>
+            <a:picLocks noChangeAspect="1"/>
+          </p:cNvPicPr>
+          <p:nvPr/>
         </p:nvPicPr>
         <p:blipFill>
-          <a:blip r:embed="rId2">
-            <a:extLst>
-              <a:ext uri="{28A0092B-C50C-407E-A947-70E740481C1C}">
-                <a14:useLocalDpi xmlns:a14="http://schemas.microsoft.com/office/drawing/2010/main" val="0"/>
-              </a:ext>
-            </a:extLst>
-          </a:blip>
+          <a:blip r:embed="rId2"/>
           <a:stretch>
             <a:fillRect/>
           </a:stretch>
         </p:blipFill>
         <p:spPr>
           <a:xfrm>
-            <a:off x="2476392" y="1690688"/>
-            <a:ext cx="7239215" cy="4486275"/>
+            <a:off x="2575886" y="2347267"/>
+            <a:ext cx="7040228" cy="2163466"/>
           </a:xfrm>
+          <a:prstGeom prst="rect">
+            <a:avLst/>
+          </a:prstGeom>
+        </p:spPr>
+      </p:pic>
+      <p:pic>
+        <p:nvPicPr>
+          <p:cNvPr id="4" name="Picture 3">
+            <a:extLst>
+              <a:ext uri="{FF2B5EF4-FFF2-40B4-BE49-F238E27FC236}">
+                <a16:creationId xmlns:a16="http://schemas.microsoft.com/office/drawing/2014/main" id="{F6A3E138-5250-4E0B-BC93-0B81ED71990C}"/>
+              </a:ext>
+            </a:extLst>
+          </p:cNvPr>
+          <p:cNvPicPr>
+            <a:picLocks noChangeAspect="1"/>
+          </p:cNvPicPr>
+          <p:nvPr/>
+        </p:nvPicPr>
+        <p:blipFill>
+          <a:blip r:embed="rId3"/>
+          <a:stretch>
+            <a:fillRect/>
+          </a:stretch>
+        </p:blipFill>
+        <p:spPr>
+          <a:xfrm>
+            <a:off x="2575886" y="4538807"/>
+            <a:ext cx="6458214" cy="771130"/>
+          </a:xfrm>
+          <a:prstGeom prst="rect">
+            <a:avLst/>
+          </a:prstGeom>
         </p:spPr>
       </p:pic>
     </p:spTree>
     <p:extLst>
       <p:ext uri="{BB962C8B-B14F-4D97-AF65-F5344CB8AC3E}">
-        <p14:creationId xmlns:p14="http://schemas.microsoft.com/office/powerpoint/2010/main" val="3637411851"/>
+        <p14:creationId xmlns:p14="http://schemas.microsoft.com/office/powerpoint/2010/main" val="3655779951"/>
       </p:ext>
     </p:extLst>
   </p:cSld>
   <p:clrMapOvr>
     <a:masterClrMapping/>
   </p:clrMapOvr>
-  <mc:AlternateContent xmlns:mc="http://schemas.openxmlformats.org/markup-compatibility/2006">
-    <mc:Choice xmlns:p14="http://schemas.microsoft.com/office/powerpoint/2010/main" Requires="p14">
+  <mc:AlternateContent xmlns:mc="http://schemas.openxmlformats.org/markup-compatibility/2006" xmlns:p14="http://schemas.microsoft.com/office/powerpoint/2010/main">
+    <mc:Choice Requires="p14">
       <p:transition spd="med" p14:dur="700">
         <p:fade/>
       </p:transition>
     </mc:Choice>
-    <mc:Fallback>
+    <mc:Fallback xmlns="">
       <p:transition spd="med">
         <p:fade/>
       </p:transition>
@@ -7126,7 +8157,7 @@
                                           </p:stCondLst>
                                         </p:cTn>
                                         <p:tgtEl>
-                                          <p:spTgt spid="6"/>
+                                          <p:spTgt spid="3"/>
                                         </p:tgtEl>
                                         <p:attrNameLst>
                                           <p:attrName>style.visibility</p:attrName>
@@ -7140,7 +8171,7 @@
                                       <p:cBhvr additive="base">
                                         <p:cTn id="7" dur="500" fill="hold"/>
                                         <p:tgtEl>
-                                          <p:spTgt spid="6"/>
+                                          <p:spTgt spid="3"/>
                                         </p:tgtEl>
                                         <p:attrNameLst>
                                           <p:attrName>ppt_x</p:attrName>
@@ -7163,7 +8194,7 @@
                                       <p:cBhvr additive="base">
                                         <p:cTn id="8" dur="500" fill="hold"/>
                                         <p:tgtEl>
-                                          <p:spTgt spid="6"/>
+                                          <p:spTgt spid="3"/>
                                         </p:tgtEl>
                                         <p:attrNameLst>
                                           <p:attrName>ppt_y</p:attrName>
@@ -7191,171 +8222,33 @@
                       </p:childTnLst>
                     </p:cTn>
                   </p:par>
-                </p:childTnLst>
-              </p:cTn>
-              <p:prevCondLst>
-                <p:cond evt="onPrev" delay="0">
-                  <p:tgtEl>
-                    <p:sldTgt/>
-                  </p:tgtEl>
-                </p:cond>
-              </p:prevCondLst>
-              <p:nextCondLst>
-                <p:cond evt="onNext" delay="0">
-                  <p:tgtEl>
-                    <p:sldTgt/>
-                  </p:tgtEl>
-                </p:cond>
-              </p:nextCondLst>
-            </p:seq>
-          </p:childTnLst>
-        </p:cTn>
-      </p:par>
-    </p:tnLst>
-  </p:timing>
-</p:sld>
-</file>
-
-<file path=ppt/slides/slide21.xml><?xml version="1.0" encoding="utf-8"?>
-<p:sld xmlns:a="http://schemas.openxmlformats.org/drawingml/2006/main" xmlns:r="http://schemas.openxmlformats.org/officeDocument/2006/relationships" xmlns:p="http://schemas.openxmlformats.org/presentationml/2006/main">
-  <p:cSld>
-    <p:spTree>
-      <p:nvGrpSpPr>
-        <p:cNvPr id="1" name=""/>
-        <p:cNvGrpSpPr/>
-        <p:nvPr/>
-      </p:nvGrpSpPr>
-      <p:grpSpPr>
-        <a:xfrm>
-          <a:off x="0" y="0"/>
-          <a:ext cx="0" cy="0"/>
-          <a:chOff x="0" y="0"/>
-          <a:chExt cx="0" cy="0"/>
-        </a:xfrm>
-      </p:grpSpPr>
-      <p:sp>
-        <p:nvSpPr>
-          <p:cNvPr id="2" name="Title 1">
-            <a:extLst>
-              <a:ext uri="{FF2B5EF4-FFF2-40B4-BE49-F238E27FC236}">
-                <a16:creationId xmlns:a16="http://schemas.microsoft.com/office/drawing/2014/main" id="{5E1CFB3D-600C-4CFE-AB6B-764A8E267292}"/>
-              </a:ext>
-            </a:extLst>
-          </p:cNvPr>
-          <p:cNvSpPr>
-            <a:spLocks noGrp="1"/>
-          </p:cNvSpPr>
-          <p:nvPr>
-            <p:ph type="title"/>
-          </p:nvPr>
-        </p:nvSpPr>
-        <p:spPr/>
-        <p:txBody>
-          <a:bodyPr/>
-          <a:lstStyle/>
-          <a:p>
-            <a:pPr algn="ctr"/>
-            <a:r>
-              <a:rPr lang="en-US" dirty="0">
-                <a:latin typeface="Rockwell Extra Bold" panose="02060903040505020403" pitchFamily="18" charset="0"/>
-              </a:rPr>
-              <a:t>Crime</a:t>
-            </a:r>
-          </a:p>
-        </p:txBody>
-      </p:sp>
-      <p:pic>
-        <p:nvPicPr>
-          <p:cNvPr id="7" name="Content Placeholder 6">
-            <a:extLst>
-              <a:ext uri="{FF2B5EF4-FFF2-40B4-BE49-F238E27FC236}">
-                <a16:creationId xmlns:a16="http://schemas.microsoft.com/office/drawing/2014/main" id="{05299C47-2D1F-494C-8A60-1572804D4197}"/>
-              </a:ext>
-            </a:extLst>
-          </p:cNvPr>
-          <p:cNvPicPr>
-            <a:picLocks noGrp="1" noChangeAspect="1"/>
-          </p:cNvPicPr>
-          <p:nvPr>
-            <p:ph idx="1"/>
-          </p:nvPr>
-        </p:nvPicPr>
-        <p:blipFill>
-          <a:blip r:embed="rId2">
-            <a:extLst>
-              <a:ext uri="{28A0092B-C50C-407E-A947-70E740481C1C}">
-                <a14:useLocalDpi xmlns:a14="http://schemas.microsoft.com/office/drawing/2010/main" val="0"/>
-              </a:ext>
-            </a:extLst>
-          </a:blip>
-          <a:stretch>
-            <a:fillRect/>
-          </a:stretch>
-        </p:blipFill>
-        <p:spPr>
-          <a:xfrm>
-            <a:off x="0" y="2141537"/>
-            <a:ext cx="12192000" cy="4351338"/>
-          </a:xfrm>
-        </p:spPr>
-      </p:pic>
-    </p:spTree>
-    <p:extLst>
-      <p:ext uri="{BB962C8B-B14F-4D97-AF65-F5344CB8AC3E}">
-        <p14:creationId xmlns:p14="http://schemas.microsoft.com/office/powerpoint/2010/main" val="2474240344"/>
-      </p:ext>
-    </p:extLst>
-  </p:cSld>
-  <p:clrMapOvr>
-    <a:masterClrMapping/>
-  </p:clrMapOvr>
-  <mc:AlternateContent xmlns:mc="http://schemas.openxmlformats.org/markup-compatibility/2006">
-    <mc:Choice xmlns:p14="http://schemas.microsoft.com/office/powerpoint/2010/main" Requires="p14">
-      <p:transition spd="med" p14:dur="700">
-        <p:fade/>
-      </p:transition>
-    </mc:Choice>
-    <mc:Fallback>
-      <p:transition spd="med">
-        <p:fade/>
-      </p:transition>
-    </mc:Fallback>
-  </mc:AlternateContent>
-  <p:timing>
-    <p:tnLst>
-      <p:par>
-        <p:cTn id="1" dur="indefinite" restart="never" nodeType="tmRoot">
-          <p:childTnLst>
-            <p:seq concurrent="1" nextAc="seek">
-              <p:cTn id="2" dur="indefinite" nodeType="mainSeq">
-                <p:childTnLst>
                   <p:par>
-                    <p:cTn id="3" fill="hold">
+                    <p:cTn id="9" fill="hold">
                       <p:stCondLst>
                         <p:cond delay="indefinite"/>
                       </p:stCondLst>
                       <p:childTnLst>
                         <p:par>
-                          <p:cTn id="4" fill="hold">
+                          <p:cTn id="10" fill="hold">
                             <p:stCondLst>
                               <p:cond delay="0"/>
                             </p:stCondLst>
                             <p:childTnLst>
                               <p:par>
-                                <p:cTn id="5" presetID="2" presetClass="entr" presetSubtype="4" fill="hold" nodeType="clickEffect">
+                                <p:cTn id="11" presetID="2" presetClass="entr" presetSubtype="4" fill="hold" nodeType="clickEffect">
                                   <p:stCondLst>
                                     <p:cond delay="0"/>
                                   </p:stCondLst>
                                   <p:childTnLst>
                                     <p:set>
                                       <p:cBhvr>
-                                        <p:cTn id="6" dur="1" fill="hold">
+                                        <p:cTn id="12" dur="1" fill="hold">
                                           <p:stCondLst>
                                             <p:cond delay="0"/>
                                           </p:stCondLst>
                                         </p:cTn>
                                         <p:tgtEl>
-                                          <p:spTgt spid="7"/>
+                                          <p:spTgt spid="4"/>
                                         </p:tgtEl>
                                         <p:attrNameLst>
                                           <p:attrName>style.visibility</p:attrName>
@@ -7367,9 +8260,9 @@
                                     </p:set>
                                     <p:anim calcmode="lin" valueType="num">
                                       <p:cBhvr additive="base">
-                                        <p:cTn id="7" dur="500" fill="hold"/>
-                                        <p:tgtEl>
-                                          <p:spTgt spid="7"/>
+                                        <p:cTn id="13" dur="500" fill="hold"/>
+                                        <p:tgtEl>
+                                          <p:spTgt spid="4"/>
                                         </p:tgtEl>
                                         <p:attrNameLst>
                                           <p:attrName>ppt_x</p:attrName>
@@ -7390,9 +8283,9 @@
                                     </p:anim>
                                     <p:anim calcmode="lin" valueType="num">
                                       <p:cBhvr additive="base">
-                                        <p:cTn id="8" dur="500" fill="hold"/>
-                                        <p:tgtEl>
-                                          <p:spTgt spid="7"/>
+                                        <p:cTn id="14" dur="500" fill="hold"/>
+                                        <p:tgtEl>
+                                          <p:spTgt spid="4"/>
                                         </p:tgtEl>
                                         <p:attrNameLst>
                                           <p:attrName>ppt_y</p:attrName>
@@ -7467,7 +8360,7 @@
           <p:cNvPr id="2" name="Title 1">
             <a:extLst>
               <a:ext uri="{FF2B5EF4-FFF2-40B4-BE49-F238E27FC236}">
-                <a16:creationId xmlns:a16="http://schemas.microsoft.com/office/drawing/2014/main" id="{B4B1ACBA-60FB-4965-8D2A-FE0DFAAE043F}"/>
+                <a16:creationId xmlns:a16="http://schemas.microsoft.com/office/drawing/2014/main" id="{5E1CFB3D-600C-4CFE-AB6B-764A8E267292}"/>
               </a:ext>
             </a:extLst>
           </p:cNvPr>
@@ -7483,6 +8376,222 @@
           <a:bodyPr/>
           <a:lstStyle/>
           <a:p>
+            <a:pPr algn="ctr"/>
+            <a:r>
+              <a:rPr lang="en-US" dirty="0">
+                <a:latin typeface="Rockwell Extra Bold" panose="02060903040505020403" pitchFamily="18" charset="0"/>
+              </a:rPr>
+              <a:t>Crime</a:t>
+            </a:r>
+          </a:p>
+        </p:txBody>
+      </p:sp>
+      <p:pic>
+        <p:nvPicPr>
+          <p:cNvPr id="7" name="Content Placeholder 6">
+            <a:extLst>
+              <a:ext uri="{FF2B5EF4-FFF2-40B4-BE49-F238E27FC236}">
+                <a16:creationId xmlns:a16="http://schemas.microsoft.com/office/drawing/2014/main" id="{6623E8BB-3827-42BF-A69D-22044C98038A}"/>
+              </a:ext>
+            </a:extLst>
+          </p:cNvPr>
+          <p:cNvPicPr>
+            <a:picLocks noGrp="1" noChangeAspect="1"/>
+          </p:cNvPicPr>
+          <p:nvPr>
+            <p:ph idx="1"/>
+          </p:nvPr>
+        </p:nvPicPr>
+        <p:blipFill>
+          <a:blip r:embed="rId2">
+            <a:extLst>
+              <a:ext uri="{28A0092B-C50C-407E-A947-70E740481C1C}">
+                <a14:useLocalDpi xmlns:a14="http://schemas.microsoft.com/office/drawing/2010/main" val="0"/>
+              </a:ext>
+            </a:extLst>
+          </a:blip>
+          <a:stretch>
+            <a:fillRect/>
+          </a:stretch>
+        </p:blipFill>
+        <p:spPr>
+          <a:xfrm>
+            <a:off x="2585262" y="1825625"/>
+            <a:ext cx="7021476" cy="4351338"/>
+          </a:xfrm>
+        </p:spPr>
+      </p:pic>
+    </p:spTree>
+    <p:extLst>
+      <p:ext uri="{BB962C8B-B14F-4D97-AF65-F5344CB8AC3E}">
+        <p14:creationId xmlns:p14="http://schemas.microsoft.com/office/powerpoint/2010/main" val="3637411851"/>
+      </p:ext>
+    </p:extLst>
+  </p:cSld>
+  <p:clrMapOvr>
+    <a:masterClrMapping/>
+  </p:clrMapOvr>
+  <mc:AlternateContent xmlns:mc="http://schemas.openxmlformats.org/markup-compatibility/2006" xmlns:p14="http://schemas.microsoft.com/office/powerpoint/2010/main">
+    <mc:Choice Requires="p14">
+      <p:transition spd="med" p14:dur="700">
+        <p:fade/>
+      </p:transition>
+    </mc:Choice>
+    <mc:Fallback xmlns="">
+      <p:transition spd="med">
+        <p:fade/>
+      </p:transition>
+    </mc:Fallback>
+  </mc:AlternateContent>
+</p:sld>
+</file>
+
+<file path=ppt/slides/slide23.xml><?xml version="1.0" encoding="utf-8"?>
+<p:sld xmlns:a="http://schemas.openxmlformats.org/drawingml/2006/main" xmlns:r="http://schemas.openxmlformats.org/officeDocument/2006/relationships" xmlns:p="http://schemas.openxmlformats.org/presentationml/2006/main">
+  <p:cSld>
+    <p:spTree>
+      <p:nvGrpSpPr>
+        <p:cNvPr id="1" name=""/>
+        <p:cNvGrpSpPr/>
+        <p:nvPr/>
+      </p:nvGrpSpPr>
+      <p:grpSpPr>
+        <a:xfrm>
+          <a:off x="0" y="0"/>
+          <a:ext cx="0" cy="0"/>
+          <a:chOff x="0" y="0"/>
+          <a:chExt cx="0" cy="0"/>
+        </a:xfrm>
+      </p:grpSpPr>
+      <p:sp>
+        <p:nvSpPr>
+          <p:cNvPr id="2" name="Title 1">
+            <a:extLst>
+              <a:ext uri="{FF2B5EF4-FFF2-40B4-BE49-F238E27FC236}">
+                <a16:creationId xmlns:a16="http://schemas.microsoft.com/office/drawing/2014/main" id="{5E1CFB3D-600C-4CFE-AB6B-764A8E267292}"/>
+              </a:ext>
+            </a:extLst>
+          </p:cNvPr>
+          <p:cNvSpPr>
+            <a:spLocks noGrp="1"/>
+          </p:cNvSpPr>
+          <p:nvPr>
+            <p:ph type="title"/>
+          </p:nvPr>
+        </p:nvSpPr>
+        <p:spPr/>
+        <p:txBody>
+          <a:bodyPr/>
+          <a:lstStyle/>
+          <a:p>
+            <a:pPr algn="ctr"/>
+            <a:r>
+              <a:rPr lang="en-US" dirty="0">
+                <a:latin typeface="Rockwell Extra Bold" panose="02060903040505020403" pitchFamily="18" charset="0"/>
+              </a:rPr>
+              <a:t>Crime</a:t>
+            </a:r>
+          </a:p>
+        </p:txBody>
+      </p:sp>
+      <p:pic>
+        <p:nvPicPr>
+          <p:cNvPr id="6" name="Content Placeholder 5">
+            <a:extLst>
+              <a:ext uri="{FF2B5EF4-FFF2-40B4-BE49-F238E27FC236}">
+                <a16:creationId xmlns:a16="http://schemas.microsoft.com/office/drawing/2014/main" id="{C9835693-24E1-44F4-9131-4D5FB288F2CB}"/>
+              </a:ext>
+            </a:extLst>
+          </p:cNvPr>
+          <p:cNvPicPr>
+            <a:picLocks noGrp="1" noChangeAspect="1"/>
+          </p:cNvPicPr>
+          <p:nvPr>
+            <p:ph idx="1"/>
+          </p:nvPr>
+        </p:nvPicPr>
+        <p:blipFill>
+          <a:blip r:embed="rId2">
+            <a:extLst>
+              <a:ext uri="{28A0092B-C50C-407E-A947-70E740481C1C}">
+                <a14:useLocalDpi xmlns:a14="http://schemas.microsoft.com/office/drawing/2010/main" val="0"/>
+              </a:ext>
+            </a:extLst>
+          </a:blip>
+          <a:stretch>
+            <a:fillRect/>
+          </a:stretch>
+        </p:blipFill>
+        <p:spPr>
+          <a:xfrm>
+            <a:off x="0" y="1825625"/>
+            <a:ext cx="12192000" cy="4667250"/>
+          </a:xfrm>
+        </p:spPr>
+      </p:pic>
+    </p:spTree>
+    <p:extLst>
+      <p:ext uri="{BB962C8B-B14F-4D97-AF65-F5344CB8AC3E}">
+        <p14:creationId xmlns:p14="http://schemas.microsoft.com/office/powerpoint/2010/main" val="2474240344"/>
+      </p:ext>
+    </p:extLst>
+  </p:cSld>
+  <p:clrMapOvr>
+    <a:masterClrMapping/>
+  </p:clrMapOvr>
+  <mc:AlternateContent xmlns:mc="http://schemas.openxmlformats.org/markup-compatibility/2006" xmlns:p14="http://schemas.microsoft.com/office/powerpoint/2010/main">
+    <mc:Choice Requires="p14">
+      <p:transition spd="med" p14:dur="700">
+        <p:fade/>
+      </p:transition>
+    </mc:Choice>
+    <mc:Fallback xmlns="">
+      <p:transition spd="med">
+        <p:fade/>
+      </p:transition>
+    </mc:Fallback>
+  </mc:AlternateContent>
+</p:sld>
+</file>
+
+<file path=ppt/slides/slide24.xml><?xml version="1.0" encoding="utf-8"?>
+<p:sld xmlns:a="http://schemas.openxmlformats.org/drawingml/2006/main" xmlns:r="http://schemas.openxmlformats.org/officeDocument/2006/relationships" xmlns:p="http://schemas.openxmlformats.org/presentationml/2006/main">
+  <p:cSld>
+    <p:spTree>
+      <p:nvGrpSpPr>
+        <p:cNvPr id="1" name=""/>
+        <p:cNvGrpSpPr/>
+        <p:nvPr/>
+      </p:nvGrpSpPr>
+      <p:grpSpPr>
+        <a:xfrm>
+          <a:off x="0" y="0"/>
+          <a:ext cx="0" cy="0"/>
+          <a:chOff x="0" y="0"/>
+          <a:chExt cx="0" cy="0"/>
+        </a:xfrm>
+      </p:grpSpPr>
+      <p:sp>
+        <p:nvSpPr>
+          <p:cNvPr id="2" name="Title 1">
+            <a:extLst>
+              <a:ext uri="{FF2B5EF4-FFF2-40B4-BE49-F238E27FC236}">
+                <a16:creationId xmlns:a16="http://schemas.microsoft.com/office/drawing/2014/main" id="{B4B1ACBA-60FB-4965-8D2A-FE0DFAAE043F}"/>
+              </a:ext>
+            </a:extLst>
+          </p:cNvPr>
+          <p:cNvSpPr>
+            <a:spLocks noGrp="1"/>
+          </p:cNvSpPr>
+          <p:nvPr>
+            <p:ph type="title"/>
+          </p:nvPr>
+        </p:nvSpPr>
+        <p:spPr/>
+        <p:txBody>
+          <a:bodyPr/>
+          <a:lstStyle/>
+          <a:p>
             <a:r>
               <a:rPr lang="en-US" dirty="0">
                 <a:latin typeface="Rockwell Extra Bold" panose="02060903040505020403" pitchFamily="18" charset="0"/>
@@ -7537,13 +8646,731 @@
   <p:clrMapOvr>
     <a:masterClrMapping/>
   </p:clrMapOvr>
-  <mc:AlternateContent xmlns:mc="http://schemas.openxmlformats.org/markup-compatibility/2006">
-    <mc:Choice xmlns:p14="http://schemas.microsoft.com/office/powerpoint/2010/main" Requires="p14">
+  <mc:AlternateContent xmlns:mc="http://schemas.openxmlformats.org/markup-compatibility/2006" xmlns:p14="http://schemas.microsoft.com/office/powerpoint/2010/main">
+    <mc:Choice Requires="p14">
       <p:transition spd="med" p14:dur="700">
         <p:fade/>
       </p:transition>
     </mc:Choice>
-    <mc:Fallback>
+    <mc:Fallback xmlns="">
+      <p:transition spd="med">
+        <p:fade/>
+      </p:transition>
+    </mc:Fallback>
+  </mc:AlternateContent>
+  <p:timing>
+    <p:tnLst>
+      <p:par>
+        <p:cTn id="1" dur="indefinite" restart="never" nodeType="tmRoot">
+          <p:childTnLst>
+            <p:seq concurrent="1" nextAc="seek">
+              <p:cTn id="2" dur="indefinite" nodeType="mainSeq">
+                <p:childTnLst>
+                  <p:par>
+                    <p:cTn id="3" fill="hold">
+                      <p:stCondLst>
+                        <p:cond delay="indefinite"/>
+                      </p:stCondLst>
+                      <p:childTnLst>
+                        <p:par>
+                          <p:cTn id="4" fill="hold">
+                            <p:stCondLst>
+                              <p:cond delay="0"/>
+                            </p:stCondLst>
+                            <p:childTnLst>
+                              <p:par>
+                                <p:cTn id="5" presetID="2" presetClass="entr" presetSubtype="4" fill="hold" grpId="0" nodeType="clickEffect">
+                                  <p:stCondLst>
+                                    <p:cond delay="0"/>
+                                  </p:stCondLst>
+                                  <p:childTnLst>
+                                    <p:set>
+                                      <p:cBhvr>
+                                        <p:cTn id="6" dur="1" fill="hold">
+                                          <p:stCondLst>
+                                            <p:cond delay="0"/>
+                                          </p:stCondLst>
+                                        </p:cTn>
+                                        <p:tgtEl>
+                                          <p:spTgt spid="3">
+                                            <p:txEl>
+                                              <p:pRg st="0" end="0"/>
+                                            </p:txEl>
+                                          </p:spTgt>
+                                        </p:tgtEl>
+                                        <p:attrNameLst>
+                                          <p:attrName>style.visibility</p:attrName>
+                                        </p:attrNameLst>
+                                      </p:cBhvr>
+                                      <p:to>
+                                        <p:strVal val="visible"/>
+                                      </p:to>
+                                    </p:set>
+                                    <p:anim calcmode="lin" valueType="num">
+                                      <p:cBhvr additive="base">
+                                        <p:cTn id="7" dur="500" fill="hold"/>
+                                        <p:tgtEl>
+                                          <p:spTgt spid="3">
+                                            <p:txEl>
+                                              <p:pRg st="0" end="0"/>
+                                            </p:txEl>
+                                          </p:spTgt>
+                                        </p:tgtEl>
+                                        <p:attrNameLst>
+                                          <p:attrName>ppt_x</p:attrName>
+                                        </p:attrNameLst>
+                                      </p:cBhvr>
+                                      <p:tavLst>
+                                        <p:tav tm="0">
+                                          <p:val>
+                                            <p:strVal val="#ppt_x"/>
+                                          </p:val>
+                                        </p:tav>
+                                        <p:tav tm="100000">
+                                          <p:val>
+                                            <p:strVal val="#ppt_x"/>
+                                          </p:val>
+                                        </p:tav>
+                                      </p:tavLst>
+                                    </p:anim>
+                                    <p:anim calcmode="lin" valueType="num">
+                                      <p:cBhvr additive="base">
+                                        <p:cTn id="8" dur="500" fill="hold"/>
+                                        <p:tgtEl>
+                                          <p:spTgt spid="3">
+                                            <p:txEl>
+                                              <p:pRg st="0" end="0"/>
+                                            </p:txEl>
+                                          </p:spTgt>
+                                        </p:tgtEl>
+                                        <p:attrNameLst>
+                                          <p:attrName>ppt_y</p:attrName>
+                                        </p:attrNameLst>
+                                      </p:cBhvr>
+                                      <p:tavLst>
+                                        <p:tav tm="0">
+                                          <p:val>
+                                            <p:strVal val="1+#ppt_h/2"/>
+                                          </p:val>
+                                        </p:tav>
+                                        <p:tav tm="100000">
+                                          <p:val>
+                                            <p:strVal val="#ppt_y"/>
+                                          </p:val>
+                                        </p:tav>
+                                      </p:tavLst>
+                                    </p:anim>
+                                  </p:childTnLst>
+                                </p:cTn>
+                              </p:par>
+                            </p:childTnLst>
+                          </p:cTn>
+                        </p:par>
+                      </p:childTnLst>
+                    </p:cTn>
+                  </p:par>
+                </p:childTnLst>
+              </p:cTn>
+              <p:prevCondLst>
+                <p:cond evt="onPrev" delay="0">
+                  <p:tgtEl>
+                    <p:sldTgt/>
+                  </p:tgtEl>
+                </p:cond>
+              </p:prevCondLst>
+              <p:nextCondLst>
+                <p:cond evt="onNext" delay="0">
+                  <p:tgtEl>
+                    <p:sldTgt/>
+                  </p:tgtEl>
+                </p:cond>
+              </p:nextCondLst>
+            </p:seq>
+          </p:childTnLst>
+        </p:cTn>
+      </p:par>
+    </p:tnLst>
+    <p:bldLst>
+      <p:bldP spid="3" grpId="0" build="p"/>
+    </p:bldLst>
+  </p:timing>
+</p:sld>
+</file>
+
+<file path=ppt/slides/slide25.xml><?xml version="1.0" encoding="utf-8"?>
+<p:sld xmlns:a="http://schemas.openxmlformats.org/drawingml/2006/main" xmlns:r="http://schemas.openxmlformats.org/officeDocument/2006/relationships" xmlns:p="http://schemas.openxmlformats.org/presentationml/2006/main">
+  <p:cSld>
+    <p:spTree>
+      <p:nvGrpSpPr>
+        <p:cNvPr id="1" name=""/>
+        <p:cNvGrpSpPr/>
+        <p:nvPr/>
+      </p:nvGrpSpPr>
+      <p:grpSpPr>
+        <a:xfrm>
+          <a:off x="0" y="0"/>
+          <a:ext cx="0" cy="0"/>
+          <a:chOff x="0" y="0"/>
+          <a:chExt cx="0" cy="0"/>
+        </a:xfrm>
+      </p:grpSpPr>
+      <p:sp>
+        <p:nvSpPr>
+          <p:cNvPr id="2" name="Title 1">
+            <a:extLst>
+              <a:ext uri="{FF2B5EF4-FFF2-40B4-BE49-F238E27FC236}">
+                <a16:creationId xmlns:a16="http://schemas.microsoft.com/office/drawing/2014/main" id="{B4B1ACBA-60FB-4965-8D2A-FE0DFAAE043F}"/>
+              </a:ext>
+            </a:extLst>
+          </p:cNvPr>
+          <p:cNvSpPr>
+            <a:spLocks noGrp="1"/>
+          </p:cNvSpPr>
+          <p:nvPr>
+            <p:ph type="title"/>
+          </p:nvPr>
+        </p:nvSpPr>
+        <p:spPr/>
+        <p:txBody>
+          <a:bodyPr/>
+          <a:lstStyle/>
+          <a:p>
+            <a:r>
+              <a:rPr lang="en-US" dirty="0">
+                <a:latin typeface="Rockwell Extra Bold" panose="02060903040505020403" pitchFamily="18" charset="0"/>
+              </a:rPr>
+              <a:t>Conclusions</a:t>
+            </a:r>
+          </a:p>
+        </p:txBody>
+      </p:sp>
+      <p:sp>
+        <p:nvSpPr>
+          <p:cNvPr id="3" name="Content Placeholder 2">
+            <a:extLst>
+              <a:ext uri="{FF2B5EF4-FFF2-40B4-BE49-F238E27FC236}">
+                <a16:creationId xmlns:a16="http://schemas.microsoft.com/office/drawing/2014/main" id="{3345B194-AA29-4DCD-8CCE-CC291B724C70}"/>
+              </a:ext>
+            </a:extLst>
+          </p:cNvPr>
+          <p:cNvSpPr>
+            <a:spLocks noGrp="1"/>
+          </p:cNvSpPr>
+          <p:nvPr>
+            <p:ph idx="1"/>
+          </p:nvPr>
+        </p:nvSpPr>
+        <p:spPr/>
+        <p:txBody>
+          <a:bodyPr/>
+          <a:lstStyle/>
+          <a:p>
+            <a:pPr marL="0" indent="0">
+              <a:buNone/>
+            </a:pPr>
+            <a:r>
+              <a:rPr lang="en-US" dirty="0">
+                <a:latin typeface="Rockwell Extra Bold" panose="02060903040505020403" pitchFamily="18" charset="0"/>
+              </a:rPr>
+              <a:t>-Happiness grows with a nation’s economy and literacy rate, but only to a certain point.</a:t>
+            </a:r>
+          </a:p>
+          <a:p>
+            <a:pPr marL="0" indent="0">
+              <a:buNone/>
+            </a:pPr>
+            <a:r>
+              <a:rPr lang="en-US" dirty="0">
+                <a:latin typeface="Rockwell Extra Bold" panose="02060903040505020403" pitchFamily="18" charset="0"/>
+              </a:rPr>
+              <a:t>-Prison Rate has little affect on a nation’s happiness</a:t>
+            </a:r>
+          </a:p>
+          <a:p>
+            <a:pPr marL="0" indent="0">
+              <a:buNone/>
+            </a:pPr>
+            <a:r>
+              <a:rPr lang="en-US" dirty="0">
+                <a:latin typeface="Rockwell Extra Bold" panose="02060903040505020403" pitchFamily="18" charset="0"/>
+              </a:rPr>
+              <a:t>-Length of Healthy life showed the most clear correlation to national happiness. </a:t>
+            </a:r>
+          </a:p>
+          <a:p>
+            <a:pPr marL="0" indent="0">
+              <a:buNone/>
+            </a:pPr>
+            <a:endParaRPr lang="en-US" dirty="0">
+              <a:latin typeface="Rockwell Extra Bold" panose="02060903040505020403" pitchFamily="18" charset="0"/>
+            </a:endParaRPr>
+          </a:p>
+        </p:txBody>
+      </p:sp>
+    </p:spTree>
+    <p:extLst>
+      <p:ext uri="{BB962C8B-B14F-4D97-AF65-F5344CB8AC3E}">
+        <p14:creationId xmlns:p14="http://schemas.microsoft.com/office/powerpoint/2010/main" val="3865295849"/>
+      </p:ext>
+    </p:extLst>
+  </p:cSld>
+  <p:clrMapOvr>
+    <a:masterClrMapping/>
+  </p:clrMapOvr>
+  <mc:AlternateContent xmlns:mc="http://schemas.openxmlformats.org/markup-compatibility/2006" xmlns:p14="http://schemas.microsoft.com/office/powerpoint/2010/main">
+    <mc:Choice Requires="p14">
+      <p:transition spd="med" p14:dur="700">
+        <p:fade/>
+      </p:transition>
+    </mc:Choice>
+    <mc:Fallback xmlns="">
+      <p:transition spd="med">
+        <p:fade/>
+      </p:transition>
+    </mc:Fallback>
+  </mc:AlternateContent>
+  <p:timing>
+    <p:tnLst>
+      <p:par>
+        <p:cTn id="1" dur="indefinite" restart="never" nodeType="tmRoot">
+          <p:childTnLst>
+            <p:seq concurrent="1" nextAc="seek">
+              <p:cTn id="2" dur="indefinite" nodeType="mainSeq">
+                <p:childTnLst>
+                  <p:par>
+                    <p:cTn id="3" fill="hold">
+                      <p:stCondLst>
+                        <p:cond delay="indefinite"/>
+                      </p:stCondLst>
+                      <p:childTnLst>
+                        <p:par>
+                          <p:cTn id="4" fill="hold">
+                            <p:stCondLst>
+                              <p:cond delay="0"/>
+                            </p:stCondLst>
+                            <p:childTnLst>
+                              <p:par>
+                                <p:cTn id="5" presetID="2" presetClass="entr" presetSubtype="4" fill="hold" grpId="0" nodeType="clickEffect">
+                                  <p:stCondLst>
+                                    <p:cond delay="0"/>
+                                  </p:stCondLst>
+                                  <p:childTnLst>
+                                    <p:set>
+                                      <p:cBhvr>
+                                        <p:cTn id="6" dur="1" fill="hold">
+                                          <p:stCondLst>
+                                            <p:cond delay="0"/>
+                                          </p:stCondLst>
+                                        </p:cTn>
+                                        <p:tgtEl>
+                                          <p:spTgt spid="3">
+                                            <p:txEl>
+                                              <p:pRg st="0" end="0"/>
+                                            </p:txEl>
+                                          </p:spTgt>
+                                        </p:tgtEl>
+                                        <p:attrNameLst>
+                                          <p:attrName>style.visibility</p:attrName>
+                                        </p:attrNameLst>
+                                      </p:cBhvr>
+                                      <p:to>
+                                        <p:strVal val="visible"/>
+                                      </p:to>
+                                    </p:set>
+                                    <p:anim calcmode="lin" valueType="num">
+                                      <p:cBhvr additive="base">
+                                        <p:cTn id="7" dur="500" fill="hold"/>
+                                        <p:tgtEl>
+                                          <p:spTgt spid="3">
+                                            <p:txEl>
+                                              <p:pRg st="0" end="0"/>
+                                            </p:txEl>
+                                          </p:spTgt>
+                                        </p:tgtEl>
+                                        <p:attrNameLst>
+                                          <p:attrName>ppt_x</p:attrName>
+                                        </p:attrNameLst>
+                                      </p:cBhvr>
+                                      <p:tavLst>
+                                        <p:tav tm="0">
+                                          <p:val>
+                                            <p:strVal val="#ppt_x"/>
+                                          </p:val>
+                                        </p:tav>
+                                        <p:tav tm="100000">
+                                          <p:val>
+                                            <p:strVal val="#ppt_x"/>
+                                          </p:val>
+                                        </p:tav>
+                                      </p:tavLst>
+                                    </p:anim>
+                                    <p:anim calcmode="lin" valueType="num">
+                                      <p:cBhvr additive="base">
+                                        <p:cTn id="8" dur="500" fill="hold"/>
+                                        <p:tgtEl>
+                                          <p:spTgt spid="3">
+                                            <p:txEl>
+                                              <p:pRg st="0" end="0"/>
+                                            </p:txEl>
+                                          </p:spTgt>
+                                        </p:tgtEl>
+                                        <p:attrNameLst>
+                                          <p:attrName>ppt_y</p:attrName>
+                                        </p:attrNameLst>
+                                      </p:cBhvr>
+                                      <p:tavLst>
+                                        <p:tav tm="0">
+                                          <p:val>
+                                            <p:strVal val="1+#ppt_h/2"/>
+                                          </p:val>
+                                        </p:tav>
+                                        <p:tav tm="100000">
+                                          <p:val>
+                                            <p:strVal val="#ppt_y"/>
+                                          </p:val>
+                                        </p:tav>
+                                      </p:tavLst>
+                                    </p:anim>
+                                  </p:childTnLst>
+                                </p:cTn>
+                              </p:par>
+                            </p:childTnLst>
+                          </p:cTn>
+                        </p:par>
+                      </p:childTnLst>
+                    </p:cTn>
+                  </p:par>
+                  <p:par>
+                    <p:cTn id="9" fill="hold">
+                      <p:stCondLst>
+                        <p:cond delay="indefinite"/>
+                      </p:stCondLst>
+                      <p:childTnLst>
+                        <p:par>
+                          <p:cTn id="10" fill="hold">
+                            <p:stCondLst>
+                              <p:cond delay="0"/>
+                            </p:stCondLst>
+                            <p:childTnLst>
+                              <p:par>
+                                <p:cTn id="11" presetID="2" presetClass="entr" presetSubtype="4" fill="hold" grpId="0" nodeType="clickEffect">
+                                  <p:stCondLst>
+                                    <p:cond delay="0"/>
+                                  </p:stCondLst>
+                                  <p:childTnLst>
+                                    <p:set>
+                                      <p:cBhvr>
+                                        <p:cTn id="12" dur="1" fill="hold">
+                                          <p:stCondLst>
+                                            <p:cond delay="0"/>
+                                          </p:stCondLst>
+                                        </p:cTn>
+                                        <p:tgtEl>
+                                          <p:spTgt spid="3">
+                                            <p:txEl>
+                                              <p:pRg st="1" end="1"/>
+                                            </p:txEl>
+                                          </p:spTgt>
+                                        </p:tgtEl>
+                                        <p:attrNameLst>
+                                          <p:attrName>style.visibility</p:attrName>
+                                        </p:attrNameLst>
+                                      </p:cBhvr>
+                                      <p:to>
+                                        <p:strVal val="visible"/>
+                                      </p:to>
+                                    </p:set>
+                                    <p:anim calcmode="lin" valueType="num">
+                                      <p:cBhvr additive="base">
+                                        <p:cTn id="13" dur="500" fill="hold"/>
+                                        <p:tgtEl>
+                                          <p:spTgt spid="3">
+                                            <p:txEl>
+                                              <p:pRg st="1" end="1"/>
+                                            </p:txEl>
+                                          </p:spTgt>
+                                        </p:tgtEl>
+                                        <p:attrNameLst>
+                                          <p:attrName>ppt_x</p:attrName>
+                                        </p:attrNameLst>
+                                      </p:cBhvr>
+                                      <p:tavLst>
+                                        <p:tav tm="0">
+                                          <p:val>
+                                            <p:strVal val="#ppt_x"/>
+                                          </p:val>
+                                        </p:tav>
+                                        <p:tav tm="100000">
+                                          <p:val>
+                                            <p:strVal val="#ppt_x"/>
+                                          </p:val>
+                                        </p:tav>
+                                      </p:tavLst>
+                                    </p:anim>
+                                    <p:anim calcmode="lin" valueType="num">
+                                      <p:cBhvr additive="base">
+                                        <p:cTn id="14" dur="500" fill="hold"/>
+                                        <p:tgtEl>
+                                          <p:spTgt spid="3">
+                                            <p:txEl>
+                                              <p:pRg st="1" end="1"/>
+                                            </p:txEl>
+                                          </p:spTgt>
+                                        </p:tgtEl>
+                                        <p:attrNameLst>
+                                          <p:attrName>ppt_y</p:attrName>
+                                        </p:attrNameLst>
+                                      </p:cBhvr>
+                                      <p:tavLst>
+                                        <p:tav tm="0">
+                                          <p:val>
+                                            <p:strVal val="1+#ppt_h/2"/>
+                                          </p:val>
+                                        </p:tav>
+                                        <p:tav tm="100000">
+                                          <p:val>
+                                            <p:strVal val="#ppt_y"/>
+                                          </p:val>
+                                        </p:tav>
+                                      </p:tavLst>
+                                    </p:anim>
+                                  </p:childTnLst>
+                                </p:cTn>
+                              </p:par>
+                            </p:childTnLst>
+                          </p:cTn>
+                        </p:par>
+                      </p:childTnLst>
+                    </p:cTn>
+                  </p:par>
+                  <p:par>
+                    <p:cTn id="15" fill="hold">
+                      <p:stCondLst>
+                        <p:cond delay="indefinite"/>
+                      </p:stCondLst>
+                      <p:childTnLst>
+                        <p:par>
+                          <p:cTn id="16" fill="hold">
+                            <p:stCondLst>
+                              <p:cond delay="0"/>
+                            </p:stCondLst>
+                            <p:childTnLst>
+                              <p:par>
+                                <p:cTn id="17" presetID="2" presetClass="entr" presetSubtype="4" fill="hold" grpId="0" nodeType="clickEffect">
+                                  <p:stCondLst>
+                                    <p:cond delay="0"/>
+                                  </p:stCondLst>
+                                  <p:childTnLst>
+                                    <p:set>
+                                      <p:cBhvr>
+                                        <p:cTn id="18" dur="1" fill="hold">
+                                          <p:stCondLst>
+                                            <p:cond delay="0"/>
+                                          </p:stCondLst>
+                                        </p:cTn>
+                                        <p:tgtEl>
+                                          <p:spTgt spid="3">
+                                            <p:txEl>
+                                              <p:pRg st="2" end="2"/>
+                                            </p:txEl>
+                                          </p:spTgt>
+                                        </p:tgtEl>
+                                        <p:attrNameLst>
+                                          <p:attrName>style.visibility</p:attrName>
+                                        </p:attrNameLst>
+                                      </p:cBhvr>
+                                      <p:to>
+                                        <p:strVal val="visible"/>
+                                      </p:to>
+                                    </p:set>
+                                    <p:anim calcmode="lin" valueType="num">
+                                      <p:cBhvr additive="base">
+                                        <p:cTn id="19" dur="500" fill="hold"/>
+                                        <p:tgtEl>
+                                          <p:spTgt spid="3">
+                                            <p:txEl>
+                                              <p:pRg st="2" end="2"/>
+                                            </p:txEl>
+                                          </p:spTgt>
+                                        </p:tgtEl>
+                                        <p:attrNameLst>
+                                          <p:attrName>ppt_x</p:attrName>
+                                        </p:attrNameLst>
+                                      </p:cBhvr>
+                                      <p:tavLst>
+                                        <p:tav tm="0">
+                                          <p:val>
+                                            <p:strVal val="#ppt_x"/>
+                                          </p:val>
+                                        </p:tav>
+                                        <p:tav tm="100000">
+                                          <p:val>
+                                            <p:strVal val="#ppt_x"/>
+                                          </p:val>
+                                        </p:tav>
+                                      </p:tavLst>
+                                    </p:anim>
+                                    <p:anim calcmode="lin" valueType="num">
+                                      <p:cBhvr additive="base">
+                                        <p:cTn id="20" dur="500" fill="hold"/>
+                                        <p:tgtEl>
+                                          <p:spTgt spid="3">
+                                            <p:txEl>
+                                              <p:pRg st="2" end="2"/>
+                                            </p:txEl>
+                                          </p:spTgt>
+                                        </p:tgtEl>
+                                        <p:attrNameLst>
+                                          <p:attrName>ppt_y</p:attrName>
+                                        </p:attrNameLst>
+                                      </p:cBhvr>
+                                      <p:tavLst>
+                                        <p:tav tm="0">
+                                          <p:val>
+                                            <p:strVal val="1+#ppt_h/2"/>
+                                          </p:val>
+                                        </p:tav>
+                                        <p:tav tm="100000">
+                                          <p:val>
+                                            <p:strVal val="#ppt_y"/>
+                                          </p:val>
+                                        </p:tav>
+                                      </p:tavLst>
+                                    </p:anim>
+                                  </p:childTnLst>
+                                </p:cTn>
+                              </p:par>
+                            </p:childTnLst>
+                          </p:cTn>
+                        </p:par>
+                      </p:childTnLst>
+                    </p:cTn>
+                  </p:par>
+                </p:childTnLst>
+              </p:cTn>
+              <p:prevCondLst>
+                <p:cond evt="onPrev" delay="0">
+                  <p:tgtEl>
+                    <p:sldTgt/>
+                  </p:tgtEl>
+                </p:cond>
+              </p:prevCondLst>
+              <p:nextCondLst>
+                <p:cond evt="onNext" delay="0">
+                  <p:tgtEl>
+                    <p:sldTgt/>
+                  </p:tgtEl>
+                </p:cond>
+              </p:nextCondLst>
+            </p:seq>
+          </p:childTnLst>
+        </p:cTn>
+      </p:par>
+    </p:tnLst>
+    <p:bldLst>
+      <p:bldP spid="3" grpId="0" build="p"/>
+    </p:bldLst>
+  </p:timing>
+</p:sld>
+</file>
+
+<file path=ppt/slides/slide26.xml><?xml version="1.0" encoding="utf-8"?>
+<p:sld xmlns:a="http://schemas.openxmlformats.org/drawingml/2006/main" xmlns:r="http://schemas.openxmlformats.org/officeDocument/2006/relationships" xmlns:p="http://schemas.openxmlformats.org/presentationml/2006/main">
+  <p:cSld>
+    <p:spTree>
+      <p:nvGrpSpPr>
+        <p:cNvPr id="1" name=""/>
+        <p:cNvGrpSpPr/>
+        <p:nvPr/>
+      </p:nvGrpSpPr>
+      <p:grpSpPr>
+        <a:xfrm>
+          <a:off x="0" y="0"/>
+          <a:ext cx="0" cy="0"/>
+          <a:chOff x="0" y="0"/>
+          <a:chExt cx="0" cy="0"/>
+        </a:xfrm>
+      </p:grpSpPr>
+      <p:sp>
+        <p:nvSpPr>
+          <p:cNvPr id="2" name="Title 1">
+            <a:extLst>
+              <a:ext uri="{FF2B5EF4-FFF2-40B4-BE49-F238E27FC236}">
+                <a16:creationId xmlns:a16="http://schemas.microsoft.com/office/drawing/2014/main" id="{B4B1ACBA-60FB-4965-8D2A-FE0DFAAE043F}"/>
+              </a:ext>
+            </a:extLst>
+          </p:cNvPr>
+          <p:cNvSpPr>
+            <a:spLocks noGrp="1"/>
+          </p:cNvSpPr>
+          <p:nvPr>
+            <p:ph type="title"/>
+          </p:nvPr>
+        </p:nvSpPr>
+        <p:spPr/>
+        <p:txBody>
+          <a:bodyPr/>
+          <a:lstStyle/>
+          <a:p>
+            <a:r>
+              <a:rPr lang="en-US" dirty="0">
+                <a:latin typeface="Rockwell Extra Bold" panose="02060903040505020403" pitchFamily="18" charset="0"/>
+              </a:rPr>
+              <a:t>Conclusions</a:t>
+            </a:r>
+          </a:p>
+        </p:txBody>
+      </p:sp>
+      <p:sp>
+        <p:nvSpPr>
+          <p:cNvPr id="3" name="Content Placeholder 2">
+            <a:extLst>
+              <a:ext uri="{FF2B5EF4-FFF2-40B4-BE49-F238E27FC236}">
+                <a16:creationId xmlns:a16="http://schemas.microsoft.com/office/drawing/2014/main" id="{3345B194-AA29-4DCD-8CCE-CC291B724C70}"/>
+              </a:ext>
+            </a:extLst>
+          </p:cNvPr>
+          <p:cNvSpPr>
+            <a:spLocks noGrp="1"/>
+          </p:cNvSpPr>
+          <p:nvPr>
+            <p:ph idx="1"/>
+          </p:nvPr>
+        </p:nvSpPr>
+        <p:spPr/>
+        <p:txBody>
+          <a:bodyPr/>
+          <a:lstStyle/>
+          <a:p>
+            <a:pPr marL="0" indent="0">
+              <a:buNone/>
+            </a:pPr>
+            <a:r>
+              <a:rPr lang="en-US" dirty="0">
+                <a:latin typeface="Rockwell Extra Bold" panose="02060903040505020403" pitchFamily="18" charset="0"/>
+              </a:rPr>
+              <a:t>-Nations should not invest energy or money on incarceration rate and instead focus on industry, schooling, and health care. </a:t>
+            </a:r>
+          </a:p>
+        </p:txBody>
+      </p:sp>
+    </p:spTree>
+    <p:extLst>
+      <p:ext uri="{BB962C8B-B14F-4D97-AF65-F5344CB8AC3E}">
+        <p14:creationId xmlns:p14="http://schemas.microsoft.com/office/powerpoint/2010/main" val="4292156687"/>
+      </p:ext>
+    </p:extLst>
+  </p:cSld>
+  <p:clrMapOvr>
+    <a:masterClrMapping/>
+  </p:clrMapOvr>
+  <mc:AlternateContent xmlns:mc="http://schemas.openxmlformats.org/markup-compatibility/2006" xmlns:p14="http://schemas.microsoft.com/office/powerpoint/2010/main">
+    <mc:Choice Requires="p14">
+      <p:transition spd="med" p14:dur="700">
+        <p:fade/>
+      </p:transition>
+    </mc:Choice>
+    <mc:Fallback xmlns="">
       <p:transition spd="med">
         <p:fade/>
       </p:transition>
@@ -7844,13 +9671,13 @@
   <p:clrMapOvr>
     <a:masterClrMapping/>
   </p:clrMapOvr>
-  <mc:AlternateContent xmlns:mc="http://schemas.openxmlformats.org/markup-compatibility/2006">
-    <mc:Choice xmlns:p14="http://schemas.microsoft.com/office/powerpoint/2010/main" Requires="p14">
+  <mc:AlternateContent xmlns:mc="http://schemas.openxmlformats.org/markup-compatibility/2006" xmlns:p14="http://schemas.microsoft.com/office/powerpoint/2010/main">
+    <mc:Choice Requires="p14">
       <p:transition spd="med" p14:dur="700">
         <p:fade/>
       </p:transition>
     </mc:Choice>
-    <mc:Fallback>
+    <mc:Fallback xmlns="">
       <p:transition spd="med">
         <p:fade/>
       </p:transition>
@@ -8824,13 +10651,13 @@
   <p:clrMapOvr>
     <a:masterClrMapping/>
   </p:clrMapOvr>
-  <mc:AlternateContent xmlns:mc="http://schemas.openxmlformats.org/markup-compatibility/2006">
-    <mc:Choice xmlns:p14="http://schemas.microsoft.com/office/powerpoint/2010/main" Requires="p14">
+  <mc:AlternateContent xmlns:mc="http://schemas.openxmlformats.org/markup-compatibility/2006" xmlns:p14="http://schemas.microsoft.com/office/powerpoint/2010/main">
+    <mc:Choice Requires="p14">
       <p:transition spd="med" p14:dur="700">
         <p:fade/>
       </p:transition>
     </mc:Choice>
-    <mc:Fallback>
+    <mc:Fallback xmlns="">
       <p:transition spd="med">
         <p:fade/>
       </p:transition>
@@ -9202,13 +11029,13 @@
   <p:clrMapOvr>
     <a:masterClrMapping/>
   </p:clrMapOvr>
-  <mc:AlternateContent xmlns:mc="http://schemas.openxmlformats.org/markup-compatibility/2006">
-    <mc:Choice xmlns:p14="http://schemas.microsoft.com/office/powerpoint/2010/main" Requires="p14">
+  <mc:AlternateContent xmlns:mc="http://schemas.openxmlformats.org/markup-compatibility/2006" xmlns:p14="http://schemas.microsoft.com/office/powerpoint/2010/main">
+    <mc:Choice Requires="p14">
       <p:transition spd="med" p14:dur="700">
         <p:fade/>
       </p:transition>
     </mc:Choice>
-    <mc:Fallback>
+    <mc:Fallback xmlns="">
       <p:transition spd="med">
         <p:fade/>
       </p:transition>
@@ -9857,13 +11684,13 @@
   <p:clrMapOvr>
     <a:masterClrMapping/>
   </p:clrMapOvr>
-  <mc:AlternateContent xmlns:mc="http://schemas.openxmlformats.org/markup-compatibility/2006">
-    <mc:Choice xmlns:p14="http://schemas.microsoft.com/office/powerpoint/2010/main" Requires="p14">
+  <mc:AlternateContent xmlns:mc="http://schemas.openxmlformats.org/markup-compatibility/2006" xmlns:p14="http://schemas.microsoft.com/office/powerpoint/2010/main">
+    <mc:Choice Requires="p14">
       <p:transition spd="med" p14:dur="700">
         <p:fade/>
       </p:transition>
     </mc:Choice>
-    <mc:Fallback>
+    <mc:Fallback xmlns="">
       <p:transition spd="med">
         <p:fade/>
       </p:transition>
@@ -10371,13 +12198,13 @@
   <p:clrMapOvr>
     <a:masterClrMapping/>
   </p:clrMapOvr>
-  <mc:AlternateContent xmlns:mc="http://schemas.openxmlformats.org/markup-compatibility/2006">
-    <mc:Choice xmlns:p14="http://schemas.microsoft.com/office/powerpoint/2010/main" Requires="p14">
+  <mc:AlternateContent xmlns:mc="http://schemas.openxmlformats.org/markup-compatibility/2006" xmlns:p14="http://schemas.microsoft.com/office/powerpoint/2010/main">
+    <mc:Choice Requires="p14">
       <p:transition spd="med" p14:dur="700">
         <p:fade/>
       </p:transition>
     </mc:Choice>
-    <mc:Fallback>
+    <mc:Fallback xmlns="">
       <p:transition spd="med">
         <p:fade/>
       </p:transition>
@@ -10797,13 +12624,13 @@
   <p:clrMapOvr>
     <a:masterClrMapping/>
   </p:clrMapOvr>
-  <mc:AlternateContent xmlns:mc="http://schemas.openxmlformats.org/markup-compatibility/2006">
-    <mc:Choice xmlns:p14="http://schemas.microsoft.com/office/powerpoint/2010/main" Requires="p14">
+  <mc:AlternateContent xmlns:mc="http://schemas.openxmlformats.org/markup-compatibility/2006" xmlns:p14="http://schemas.microsoft.com/office/powerpoint/2010/main">
+    <mc:Choice Requires="p14">
       <p:transition spd="med" p14:dur="700">
         <p:fade/>
       </p:transition>
     </mc:Choice>
-    <mc:Fallback>
+    <mc:Fallback xmlns="">
       <p:transition spd="med">
         <p:fade/>
       </p:transition>
@@ -11120,13 +12947,13 @@
   <p:clrMapOvr>
     <a:masterClrMapping/>
   </p:clrMapOvr>
-  <mc:AlternateContent xmlns:mc="http://schemas.openxmlformats.org/markup-compatibility/2006">
-    <mc:Choice xmlns:p14="http://schemas.microsoft.com/office/powerpoint/2010/main" Requires="p14">
+  <mc:AlternateContent xmlns:mc="http://schemas.openxmlformats.org/markup-compatibility/2006" xmlns:p14="http://schemas.microsoft.com/office/powerpoint/2010/main">
+    <mc:Choice Requires="p14">
       <p:transition spd="med" p14:dur="700">
         <p:fade/>
       </p:transition>
     </mc:Choice>
-    <mc:Fallback>
+    <mc:Fallback xmlns="">
       <p:transition spd="med">
         <p:fade/>
       </p:transition>
